--- a/Lab 2/Data structure and algorithm Tutorial 2.pptx
+++ b/Lab 2/Data structure and algorithm Tutorial 2.pptx
@@ -121,6 +121,11 @@
       </a:defRPr>
     </a:lvl9pPr>
   </p:defaultTextStyle>
+  <p:extLst>
+    <p:ext uri="{EFAFB233-063F-42B5-8137-9DF3F51BA10A}">
+      <p15:sldGuideLst xmlns:p15="http://schemas.microsoft.com/office/powerpoint/2012/main"/>
+    </p:ext>
+  </p:extLst>
 </p:presentation>
 </file>
 
@@ -3058,7 +3063,7 @@
           <a:p>
             <a:fld id="{9727C62E-E19A-4E21-9BC3-35BD44E631EE}" type="datetimeFigureOut">
               <a:rPr lang="en-US" smtClean="0"/>
-              <a:t>9/19/2020</a:t>
+              <a:t>9/20/2020</a:t>
             </a:fld>
             <a:endParaRPr lang="en-US"/>
           </a:p>
@@ -3256,7 +3261,7 @@
           <a:p>
             <a:fld id="{9727C62E-E19A-4E21-9BC3-35BD44E631EE}" type="datetimeFigureOut">
               <a:rPr lang="en-US" smtClean="0"/>
-              <a:t>9/19/2020</a:t>
+              <a:t>9/20/2020</a:t>
             </a:fld>
             <a:endParaRPr lang="en-US"/>
           </a:p>
@@ -3464,7 +3469,7 @@
           <a:p>
             <a:fld id="{9727C62E-E19A-4E21-9BC3-35BD44E631EE}" type="datetimeFigureOut">
               <a:rPr lang="en-US" smtClean="0"/>
-              <a:t>9/19/2020</a:t>
+              <a:t>9/20/2020</a:t>
             </a:fld>
             <a:endParaRPr lang="en-US"/>
           </a:p>
@@ -3662,7 +3667,7 @@
           <a:p>
             <a:fld id="{9727C62E-E19A-4E21-9BC3-35BD44E631EE}" type="datetimeFigureOut">
               <a:rPr lang="en-US" smtClean="0"/>
-              <a:t>9/19/2020</a:t>
+              <a:t>9/20/2020</a:t>
             </a:fld>
             <a:endParaRPr lang="en-US"/>
           </a:p>
@@ -3937,7 +3942,7 @@
           <a:p>
             <a:fld id="{9727C62E-E19A-4E21-9BC3-35BD44E631EE}" type="datetimeFigureOut">
               <a:rPr lang="en-US" smtClean="0"/>
-              <a:t>9/19/2020</a:t>
+              <a:t>9/20/2020</a:t>
             </a:fld>
             <a:endParaRPr lang="en-US"/>
           </a:p>
@@ -4202,7 +4207,7 @@
           <a:p>
             <a:fld id="{9727C62E-E19A-4E21-9BC3-35BD44E631EE}" type="datetimeFigureOut">
               <a:rPr lang="en-US" smtClean="0"/>
-              <a:t>9/19/2020</a:t>
+              <a:t>9/20/2020</a:t>
             </a:fld>
             <a:endParaRPr lang="en-US"/>
           </a:p>
@@ -4614,7 +4619,7 @@
           <a:p>
             <a:fld id="{9727C62E-E19A-4E21-9BC3-35BD44E631EE}" type="datetimeFigureOut">
               <a:rPr lang="en-US" smtClean="0"/>
-              <a:t>9/19/2020</a:t>
+              <a:t>9/20/2020</a:t>
             </a:fld>
             <a:endParaRPr lang="en-US"/>
           </a:p>
@@ -4755,7 +4760,7 @@
           <a:p>
             <a:fld id="{9727C62E-E19A-4E21-9BC3-35BD44E631EE}" type="datetimeFigureOut">
               <a:rPr lang="en-US" smtClean="0"/>
-              <a:t>9/19/2020</a:t>
+              <a:t>9/20/2020</a:t>
             </a:fld>
             <a:endParaRPr lang="en-US"/>
           </a:p>
@@ -4868,7 +4873,7 @@
           <a:p>
             <a:fld id="{9727C62E-E19A-4E21-9BC3-35BD44E631EE}" type="datetimeFigureOut">
               <a:rPr lang="en-US" smtClean="0"/>
-              <a:t>9/19/2020</a:t>
+              <a:t>9/20/2020</a:t>
             </a:fld>
             <a:endParaRPr lang="en-US"/>
           </a:p>
@@ -5179,7 +5184,7 @@
           <a:p>
             <a:fld id="{9727C62E-E19A-4E21-9BC3-35BD44E631EE}" type="datetimeFigureOut">
               <a:rPr lang="en-US" smtClean="0"/>
-              <a:t>9/19/2020</a:t>
+              <a:t>9/20/2020</a:t>
             </a:fld>
             <a:endParaRPr lang="en-US"/>
           </a:p>
@@ -5467,7 +5472,7 @@
           <a:p>
             <a:fld id="{9727C62E-E19A-4E21-9BC3-35BD44E631EE}" type="datetimeFigureOut">
               <a:rPr lang="en-US" smtClean="0"/>
-              <a:t>9/19/2020</a:t>
+              <a:t>9/20/2020</a:t>
             </a:fld>
             <a:endParaRPr lang="en-US"/>
           </a:p>
@@ -5708,7 +5713,7 @@
           <a:p>
             <a:fld id="{9727C62E-E19A-4E21-9BC3-35BD44E631EE}" type="datetimeFigureOut">
               <a:rPr lang="en-US" smtClean="0"/>
-              <a:t>9/19/2020</a:t>
+              <a:t>9/20/2020</a:t>
             </a:fld>
             <a:endParaRPr lang="en-US"/>
           </a:p>
@@ -8989,7 +8994,7 @@
                   </a:schemeClr>
                 </a:solidFill>
               </a:rPr>
-              <a:t>n + 1</a:t>
+              <a:t>n</a:t>
             </a:r>
           </a:p>
         </p:txBody>
@@ -9031,7 +9036,7 @@
                   </a:schemeClr>
                 </a:solidFill>
               </a:rPr>
-              <a:t>n + 1</a:t>
+              <a:t>n</a:t>
             </a:r>
           </a:p>
         </p:txBody>
@@ -9195,7 +9200,7 @@
                   </a:schemeClr>
                 </a:solidFill>
               </a:rPr>
-              <a:t>f(n) = 3n + 4</a:t>
+              <a:t>f(n) = 3n + 2</a:t>
             </a:r>
           </a:p>
         </p:txBody>
@@ -9240,7 +9245,7 @@
             </a:r>
             <a:r>
               <a:rPr lang="en-US" sz="1600" b="1" i="1" u="sng" dirty="0"/>
-              <a:t>The proof of f(n)=3n+4.pdf</a:t>
+              <a:t>The proof of f(n)=3n+2.pdf</a:t>
             </a:r>
           </a:p>
         </p:txBody>

--- a/Lab 2/Data structure and algorithm Tutorial 2.pptx
+++ b/Lab 2/Data structure and algorithm Tutorial 2.pptx
@@ -5,24 +5,25 @@
     <p:sldMasterId id="2147483648" r:id="rId1"/>
   </p:sldMasterIdLst>
   <p:sldIdLst>
-    <p:sldId id="256" r:id="rId2"/>
-    <p:sldId id="257" r:id="rId3"/>
-    <p:sldId id="258" r:id="rId4"/>
-    <p:sldId id="259" r:id="rId5"/>
-    <p:sldId id="260" r:id="rId6"/>
-    <p:sldId id="263" r:id="rId7"/>
-    <p:sldId id="261" r:id="rId8"/>
-    <p:sldId id="264" r:id="rId9"/>
-    <p:sldId id="267" r:id="rId10"/>
-    <p:sldId id="268" r:id="rId11"/>
-    <p:sldId id="270" r:id="rId12"/>
-    <p:sldId id="271" r:id="rId13"/>
-    <p:sldId id="272" r:id="rId14"/>
-    <p:sldId id="273" r:id="rId15"/>
-    <p:sldId id="274" r:id="rId16"/>
-    <p:sldId id="269" r:id="rId17"/>
-    <p:sldId id="265" r:id="rId18"/>
-    <p:sldId id="266" r:id="rId19"/>
+    <p:sldId id="275" r:id="rId2"/>
+    <p:sldId id="256" r:id="rId3"/>
+    <p:sldId id="257" r:id="rId4"/>
+    <p:sldId id="258" r:id="rId5"/>
+    <p:sldId id="259" r:id="rId6"/>
+    <p:sldId id="260" r:id="rId7"/>
+    <p:sldId id="263" r:id="rId8"/>
+    <p:sldId id="261" r:id="rId9"/>
+    <p:sldId id="264" r:id="rId10"/>
+    <p:sldId id="267" r:id="rId11"/>
+    <p:sldId id="268" r:id="rId12"/>
+    <p:sldId id="270" r:id="rId13"/>
+    <p:sldId id="271" r:id="rId14"/>
+    <p:sldId id="272" r:id="rId15"/>
+    <p:sldId id="273" r:id="rId16"/>
+    <p:sldId id="274" r:id="rId17"/>
+    <p:sldId id="269" r:id="rId18"/>
+    <p:sldId id="265" r:id="rId19"/>
+    <p:sldId id="266" r:id="rId20"/>
   </p:sldIdLst>
   <p:sldSz cx="12192000" cy="6858000"/>
   <p:notesSz cx="6858000" cy="9144000"/>
@@ -3063,7 +3064,7 @@
           <a:p>
             <a:fld id="{9727C62E-E19A-4E21-9BC3-35BD44E631EE}" type="datetimeFigureOut">
               <a:rPr lang="en-US" smtClean="0"/>
-              <a:t>9/20/2020</a:t>
+              <a:t>9/21/2020</a:t>
             </a:fld>
             <a:endParaRPr lang="en-US"/>
           </a:p>
@@ -3261,7 +3262,7 @@
           <a:p>
             <a:fld id="{9727C62E-E19A-4E21-9BC3-35BD44E631EE}" type="datetimeFigureOut">
               <a:rPr lang="en-US" smtClean="0"/>
-              <a:t>9/20/2020</a:t>
+              <a:t>9/21/2020</a:t>
             </a:fld>
             <a:endParaRPr lang="en-US"/>
           </a:p>
@@ -3469,7 +3470,7 @@
           <a:p>
             <a:fld id="{9727C62E-E19A-4E21-9BC3-35BD44E631EE}" type="datetimeFigureOut">
               <a:rPr lang="en-US" smtClean="0"/>
-              <a:t>9/20/2020</a:t>
+              <a:t>9/21/2020</a:t>
             </a:fld>
             <a:endParaRPr lang="en-US"/>
           </a:p>
@@ -3667,7 +3668,7 @@
           <a:p>
             <a:fld id="{9727C62E-E19A-4E21-9BC3-35BD44E631EE}" type="datetimeFigureOut">
               <a:rPr lang="en-US" smtClean="0"/>
-              <a:t>9/20/2020</a:t>
+              <a:t>9/21/2020</a:t>
             </a:fld>
             <a:endParaRPr lang="en-US"/>
           </a:p>
@@ -3942,7 +3943,7 @@
           <a:p>
             <a:fld id="{9727C62E-E19A-4E21-9BC3-35BD44E631EE}" type="datetimeFigureOut">
               <a:rPr lang="en-US" smtClean="0"/>
-              <a:t>9/20/2020</a:t>
+              <a:t>9/21/2020</a:t>
             </a:fld>
             <a:endParaRPr lang="en-US"/>
           </a:p>
@@ -4207,7 +4208,7 @@
           <a:p>
             <a:fld id="{9727C62E-E19A-4E21-9BC3-35BD44E631EE}" type="datetimeFigureOut">
               <a:rPr lang="en-US" smtClean="0"/>
-              <a:t>9/20/2020</a:t>
+              <a:t>9/21/2020</a:t>
             </a:fld>
             <a:endParaRPr lang="en-US"/>
           </a:p>
@@ -4619,7 +4620,7 @@
           <a:p>
             <a:fld id="{9727C62E-E19A-4E21-9BC3-35BD44E631EE}" type="datetimeFigureOut">
               <a:rPr lang="en-US" smtClean="0"/>
-              <a:t>9/20/2020</a:t>
+              <a:t>9/21/2020</a:t>
             </a:fld>
             <a:endParaRPr lang="en-US"/>
           </a:p>
@@ -4760,7 +4761,7 @@
           <a:p>
             <a:fld id="{9727C62E-E19A-4E21-9BC3-35BD44E631EE}" type="datetimeFigureOut">
               <a:rPr lang="en-US" smtClean="0"/>
-              <a:t>9/20/2020</a:t>
+              <a:t>9/21/2020</a:t>
             </a:fld>
             <a:endParaRPr lang="en-US"/>
           </a:p>
@@ -4873,7 +4874,7 @@
           <a:p>
             <a:fld id="{9727C62E-E19A-4E21-9BC3-35BD44E631EE}" type="datetimeFigureOut">
               <a:rPr lang="en-US" smtClean="0"/>
-              <a:t>9/20/2020</a:t>
+              <a:t>9/21/2020</a:t>
             </a:fld>
             <a:endParaRPr lang="en-US"/>
           </a:p>
@@ -5184,7 +5185,7 @@
           <a:p>
             <a:fld id="{9727C62E-E19A-4E21-9BC3-35BD44E631EE}" type="datetimeFigureOut">
               <a:rPr lang="en-US" smtClean="0"/>
-              <a:t>9/20/2020</a:t>
+              <a:t>9/21/2020</a:t>
             </a:fld>
             <a:endParaRPr lang="en-US"/>
           </a:p>
@@ -5472,7 +5473,7 @@
           <a:p>
             <a:fld id="{9727C62E-E19A-4E21-9BC3-35BD44E631EE}" type="datetimeFigureOut">
               <a:rPr lang="en-US" smtClean="0"/>
-              <a:t>9/20/2020</a:t>
+              <a:t>9/21/2020</a:t>
             </a:fld>
             <a:endParaRPr lang="en-US"/>
           </a:p>
@@ -5713,7 +5714,7 @@
           <a:p>
             <a:fld id="{9727C62E-E19A-4E21-9BC3-35BD44E631EE}" type="datetimeFigureOut">
               <a:rPr lang="en-US" smtClean="0"/>
-              <a:t>9/20/2020</a:t>
+              <a:t>9/21/2020</a:t>
             </a:fld>
             <a:endParaRPr lang="en-US"/>
           </a:p>
@@ -6138,12 +6139,262 @@
           <a:chExt cx="0" cy="0"/>
         </a:xfrm>
       </p:grpSpPr>
+      <p:pic>
+        <p:nvPicPr>
+          <p:cNvPr id="1026" name="Picture 2" descr="YouTube has ruined me. Whenever I see Kakashi I immediately think &quot;oh, it's  Etho!&quot; | Naruto kakashi, Naruto sasuke sakura, Kakashi hatake">
+            <a:extLst>
+              <a:ext uri="{FF2B5EF4-FFF2-40B4-BE49-F238E27FC236}">
+                <a16:creationId xmlns:a16="http://schemas.microsoft.com/office/drawing/2014/main" id="{EB58BC0A-3572-46C6-8EF1-27BF69B38ABA}"/>
+              </a:ext>
+            </a:extLst>
+          </p:cNvPr>
+          <p:cNvPicPr>
+            <a:picLocks noChangeAspect="1" noChangeArrowheads="1"/>
+          </p:cNvPicPr>
+          <p:nvPr/>
+        </p:nvPicPr>
+        <p:blipFill rotWithShape="1">
+          <a:blip r:embed="rId2">
+            <a:alphaModFix/>
+            <a:extLst>
+              <a:ext uri="{28A0092B-C50C-407E-A947-70E740481C1C}">
+                <a14:useLocalDpi xmlns:a14="http://schemas.microsoft.com/office/drawing/2010/main" val="0"/>
+              </a:ext>
+            </a:extLst>
+          </a:blip>
+          <a:srcRect l="11028" r="19045"/>
+          <a:stretch/>
+        </p:blipFill>
+        <p:spPr bwMode="auto">
+          <a:xfrm>
+            <a:off x="5797543" y="10"/>
+            <a:ext cx="6394152" cy="6857990"/>
+          </a:xfrm>
+          <a:prstGeom prst="rect">
+            <a:avLst/>
+          </a:prstGeom>
+          <a:noFill/>
+          <a:extLst>
+            <a:ext uri="{909E8E84-426E-40DD-AFC4-6F175D3DCCD1}">
+              <a14:hiddenFill xmlns:a14="http://schemas.microsoft.com/office/drawing/2010/main">
+                <a:solidFill>
+                  <a:srgbClr val="FFFFFF"/>
+                </a:solidFill>
+              </a14:hiddenFill>
+            </a:ext>
+          </a:extLst>
+        </p:spPr>
+      </p:pic>
+      <p:pic>
+        <p:nvPicPr>
+          <p:cNvPr id="71" name="Picture 70">
+            <a:extLst>
+              <a:ext uri="{FF2B5EF4-FFF2-40B4-BE49-F238E27FC236}">
+                <a16:creationId xmlns:a16="http://schemas.microsoft.com/office/drawing/2014/main" id="{54DDEBDD-D8BD-41A6-8A0D-B00E3768B0F9}"/>
+              </a:ext>
+              <a:ext uri="{C183D7F6-B498-43B3-948B-1728B52AA6E4}">
+                <adec:decorative xmlns:adec="http://schemas.microsoft.com/office/drawing/2017/decorative" val="1"/>
+              </a:ext>
+            </a:extLst>
+          </p:cNvPr>
+          <p:cNvPicPr>
+            <a:picLocks noGrp="1" noRot="1" noChangeAspect="1" noMove="1" noResize="1" noEditPoints="1" noAdjustHandles="1" noChangeArrowheads="1" noChangeShapeType="1" noCrop="1"/>
+          </p:cNvPicPr>
+          <p:nvPr>
+            <p:extLst>
+              <p:ext uri="{386F3935-93C4-4BCD-93E2-E3B085C9AB24}">
+                <p16:designElem xmlns:p16="http://schemas.microsoft.com/office/powerpoint/2015/main" val="1"/>
+              </p:ext>
+            </p:extLst>
+          </p:nvPr>
+        </p:nvPicPr>
+        <p:blipFill>
+          <a:blip r:embed="rId3">
+            <a:extLst>
+              <a:ext uri="{28A0092B-C50C-407E-A947-70E740481C1C}">
+                <a14:useLocalDpi xmlns:a14="http://schemas.microsoft.com/office/drawing/2010/main" val="0"/>
+              </a:ext>
+            </a:extLst>
+          </a:blip>
+          <a:stretch>
+            <a:fillRect/>
+          </a:stretch>
+        </p:blipFill>
+        <p:spPr>
+          <a:xfrm flipH="1" flipV="1">
+            <a:off x="0" y="0"/>
+            <a:ext cx="12192000" cy="6858000"/>
+          </a:xfrm>
+          <a:prstGeom prst="rect">
+            <a:avLst/>
+          </a:prstGeom>
+        </p:spPr>
+      </p:pic>
       <p:sp>
         <p:nvSpPr>
-          <p:cNvPr id="10" name="Rectangle 9">
+          <p:cNvPr id="2" name="Title 1">
             <a:extLst>
               <a:ext uri="{FF2B5EF4-FFF2-40B4-BE49-F238E27FC236}">
-                <a16:creationId xmlns:a16="http://schemas.microsoft.com/office/drawing/2014/main" id="{0DE6A193-4755-479A-BC6F-A7EBCA73BE1A}"/>
+                <a16:creationId xmlns:a16="http://schemas.microsoft.com/office/drawing/2014/main" id="{C305C737-66E8-4FFF-A01E-A54958B9B2C2}"/>
+              </a:ext>
+            </a:extLst>
+          </p:cNvPr>
+          <p:cNvSpPr>
+            <a:spLocks noGrp="1"/>
+          </p:cNvSpPr>
+          <p:nvPr>
+            <p:ph type="title"/>
+          </p:nvPr>
+        </p:nvSpPr>
+        <p:spPr>
+          <a:xfrm>
+            <a:off x="804998" y="798445"/>
+            <a:ext cx="4803636" cy="1311664"/>
+          </a:xfrm>
+        </p:spPr>
+        <p:txBody>
+          <a:bodyPr>
+            <a:normAutofit/>
+          </a:bodyPr>
+          <a:lstStyle/>
+          <a:p>
+            <a:r>
+              <a:rPr lang="en-US">
+                <a:solidFill>
+                  <a:srgbClr val="000000"/>
+                </a:solidFill>
+              </a:rPr>
+              <a:t>Zoom session 2 COEN 352</a:t>
+            </a:r>
+          </a:p>
+        </p:txBody>
+      </p:sp>
+      <p:sp>
+        <p:nvSpPr>
+          <p:cNvPr id="3" name="Content Placeholder 2">
+            <a:extLst>
+              <a:ext uri="{FF2B5EF4-FFF2-40B4-BE49-F238E27FC236}">
+                <a16:creationId xmlns:a16="http://schemas.microsoft.com/office/drawing/2014/main" id="{6A84EC2A-51B6-4F33-B977-2FA53EC5FE66}"/>
+              </a:ext>
+            </a:extLst>
+          </p:cNvPr>
+          <p:cNvSpPr>
+            <a:spLocks noGrp="1"/>
+          </p:cNvSpPr>
+          <p:nvPr>
+            <p:ph idx="1"/>
+          </p:nvPr>
+        </p:nvSpPr>
+        <p:spPr>
+          <a:xfrm>
+            <a:off x="292963" y="2272143"/>
+            <a:ext cx="7004482" cy="3788830"/>
+          </a:xfrm>
+        </p:spPr>
+        <p:txBody>
+          <a:bodyPr anchor="ctr">
+            <a:normAutofit/>
+          </a:bodyPr>
+          <a:lstStyle/>
+          <a:p>
+            <a:r>
+              <a:rPr lang="en-US" dirty="0">
+                <a:solidFill>
+                  <a:srgbClr val="000000"/>
+                </a:solidFill>
+              </a:rPr>
+              <a:t>Please check your mic and speaker settings.</a:t>
+            </a:r>
+          </a:p>
+          <a:p>
+            <a:r>
+              <a:rPr lang="en-US" dirty="0">
+                <a:solidFill>
+                  <a:srgbClr val="000000"/>
+                </a:solidFill>
+              </a:rPr>
+              <a:t>Stop sync cloud apps such as Dropbox, </a:t>
+            </a:r>
+            <a:r>
+              <a:rPr lang="en-US" dirty="0" err="1">
+                <a:solidFill>
+                  <a:srgbClr val="000000"/>
+                </a:solidFill>
+              </a:rPr>
+              <a:t>Onedrive</a:t>
+            </a:r>
+            <a:r>
+              <a:rPr lang="en-US" dirty="0">
+                <a:solidFill>
+                  <a:srgbClr val="000000"/>
+                </a:solidFill>
+              </a:rPr>
+              <a:t>, Box, etc.</a:t>
+            </a:r>
+          </a:p>
+          <a:p>
+            <a:r>
+              <a:rPr lang="en-US" dirty="0">
+                <a:solidFill>
+                  <a:srgbClr val="000000"/>
+                </a:solidFill>
+              </a:rPr>
+              <a:t>Thanks for your collaboration.</a:t>
+            </a:r>
+          </a:p>
+          <a:p>
+            <a:endParaRPr lang="en-US" sz="2000" dirty="0">
+              <a:solidFill>
+                <a:srgbClr val="000000"/>
+              </a:solidFill>
+            </a:endParaRPr>
+          </a:p>
+        </p:txBody>
+      </p:sp>
+    </p:spTree>
+    <p:extLst>
+      <p:ext uri="{BB962C8B-B14F-4D97-AF65-F5344CB8AC3E}">
+        <p14:creationId xmlns:p14="http://schemas.microsoft.com/office/powerpoint/2010/main" val="1112630176"/>
+      </p:ext>
+    </p:extLst>
+  </p:cSld>
+  <p:clrMapOvr>
+    <a:masterClrMapping/>
+  </p:clrMapOvr>
+</p:sld>
+</file>
+
+<file path=ppt/slides/slide10.xml><?xml version="1.0" encoding="utf-8"?>
+<p:sld xmlns:a="http://schemas.openxmlformats.org/drawingml/2006/main" xmlns:r="http://schemas.openxmlformats.org/officeDocument/2006/relationships" xmlns:p="http://schemas.openxmlformats.org/presentationml/2006/main">
+  <p:cSld>
+    <p:bg>
+      <p:bgPr>
+        <a:solidFill>
+          <a:schemeClr val="bg1"/>
+        </a:solidFill>
+        <a:effectLst/>
+      </p:bgPr>
+    </p:bg>
+    <p:spTree>
+      <p:nvGrpSpPr>
+        <p:cNvPr id="1" name=""/>
+        <p:cNvGrpSpPr/>
+        <p:nvPr/>
+      </p:nvGrpSpPr>
+      <p:grpSpPr>
+        <a:xfrm>
+          <a:off x="0" y="0"/>
+          <a:ext cx="0" cy="0"/>
+          <a:chOff x="0" y="0"/>
+          <a:chExt cx="0" cy="0"/>
+        </a:xfrm>
+      </p:grpSpPr>
+      <p:sp useBgFill="1">
+        <p:nvSpPr>
+          <p:cNvPr id="19" name="Rectangle 7">
+            <a:extLst>
+              <a:ext uri="{FF2B5EF4-FFF2-40B4-BE49-F238E27FC236}">
+                <a16:creationId xmlns:a16="http://schemas.microsoft.com/office/drawing/2014/main" id="{827B839B-9ADE-406B-8590-F1CAEDED45A1}"/>
               </a:ext>
               <a:ext uri="{C183D7F6-B498-43B3-948B-1728B52AA6E4}">
                 <adec:decorative xmlns:adec="http://schemas.microsoft.com/office/drawing/2017/decorative" val="1"/>
@@ -6164,14 +6415,11 @@
         <p:spPr>
           <a:xfrm>
             <a:off x="0" y="0"/>
-            <a:ext cx="12192001" cy="6858000"/>
+            <a:ext cx="12188952" cy="6858000"/>
           </a:xfrm>
           <a:prstGeom prst="rect">
             <a:avLst/>
           </a:prstGeom>
-          <a:solidFill>
-            <a:schemeClr val="tx1"/>
-          </a:solidFill>
           <a:ln>
             <a:noFill/>
           </a:ln>
@@ -6201,58 +6449,12 @@
           </a:p>
         </p:txBody>
       </p:sp>
-      <p:pic>
-        <p:nvPicPr>
-          <p:cNvPr id="5" name="Picture 2" descr="Software-Defined Networking (SDN) / Network Functions Virtualisation (NFV)  Security">
+      <p:sp>
+        <p:nvSpPr>
+          <p:cNvPr id="20" name="Freeform 45">
             <a:extLst>
               <a:ext uri="{FF2B5EF4-FFF2-40B4-BE49-F238E27FC236}">
-                <a16:creationId xmlns:a16="http://schemas.microsoft.com/office/drawing/2014/main" id="{1275CF25-3AE3-4C4B-92FF-3AD2774F5E02}"/>
-              </a:ext>
-            </a:extLst>
-          </p:cNvPr>
-          <p:cNvPicPr>
-            <a:picLocks noChangeAspect="1" noChangeArrowheads="1"/>
-          </p:cNvPicPr>
-          <p:nvPr/>
-        </p:nvPicPr>
-        <p:blipFill>
-          <a:blip r:embed="rId2">
-            <a:extLst>
-              <a:ext uri="{28A0092B-C50C-407E-A947-70E740481C1C}">
-                <a14:useLocalDpi xmlns:a14="http://schemas.microsoft.com/office/drawing/2010/main" val="0"/>
-              </a:ext>
-            </a:extLst>
-          </a:blip>
-          <a:stretch>
-            <a:fillRect/>
-          </a:stretch>
-        </p:blipFill>
-        <p:spPr bwMode="auto">
-          <a:xfrm>
-            <a:off x="5848350" y="2518894"/>
-            <a:ext cx="5890683" cy="1973378"/>
-          </a:xfrm>
-          <a:prstGeom prst="rect">
-            <a:avLst/>
-          </a:prstGeom>
-          <a:noFill/>
-          <a:extLst>
-            <a:ext uri="{909E8E84-426E-40DD-AFC4-6F175D3DCCD1}">
-              <a14:hiddenFill xmlns:a14="http://schemas.microsoft.com/office/drawing/2010/main">
-                <a:solidFill>
-                  <a:srgbClr val="FFFFFF"/>
-                </a:solidFill>
-              </a14:hiddenFill>
-            </a:ext>
-          </a:extLst>
-        </p:spPr>
-      </p:pic>
-      <p:sp>
-        <p:nvSpPr>
-          <p:cNvPr id="12" name="Freeform: Shape 11">
-            <a:extLst>
-              <a:ext uri="{FF2B5EF4-FFF2-40B4-BE49-F238E27FC236}">
-                <a16:creationId xmlns:a16="http://schemas.microsoft.com/office/drawing/2014/main" id="{5A55B759-31A7-423C-9BC2-A8BC09FE98B9}"/>
+                <a16:creationId xmlns:a16="http://schemas.microsoft.com/office/drawing/2014/main" id="{CFE45BF0-46DB-408C-B5F7-7B11716805D4}"/>
               </a:ext>
               <a:ext uri="{C183D7F6-B498-43B3-948B-1728B52AA6E4}">
                 <adec:decorative xmlns:adec="http://schemas.microsoft.com/office/drawing/2017/decorative" val="1"/>
@@ -6270,146 +6472,92 @@
             </p:extLst>
           </p:nvPr>
         </p:nvSpPr>
-        <p:spPr>
-          <a:xfrm flipV="1">
-            <a:off x="0" y="-478"/>
-            <a:ext cx="6754318" cy="6858478"/>
+        <p:spPr bwMode="auto">
+          <a:xfrm>
+            <a:off x="409710" y="1022350"/>
+            <a:ext cx="709612" cy="2095501"/>
           </a:xfrm>
           <a:custGeom>
             <a:avLst/>
             <a:gdLst>
-              <a:gd name="connsiteX0" fmla="*/ 0 w 6754318"/>
-              <a:gd name="connsiteY0" fmla="*/ 6858478 h 6858478"/>
-              <a:gd name="connsiteX1" fmla="*/ 6754318 w 6754318"/>
-              <a:gd name="connsiteY1" fmla="*/ 6858478 h 6858478"/>
-              <a:gd name="connsiteX2" fmla="*/ 3577943 w 6754318"/>
-              <a:gd name="connsiteY2" fmla="*/ 0 h 6858478"/>
-              <a:gd name="connsiteX3" fmla="*/ 3572366 w 6754318"/>
-              <a:gd name="connsiteY3" fmla="*/ 0 h 6858478"/>
-              <a:gd name="connsiteX4" fmla="*/ 2506138 w 6754318"/>
-              <a:gd name="connsiteY4" fmla="*/ 0 h 6858478"/>
-              <a:gd name="connsiteX5" fmla="*/ 0 w 6754318"/>
-              <a:gd name="connsiteY5" fmla="*/ 0 h 6858478"/>
+              <a:gd name="T0" fmla="*/ 447 w 447"/>
+              <a:gd name="T1" fmla="*/ 1363 h 1363"/>
+              <a:gd name="T2" fmla="*/ 0 w 447"/>
+              <a:gd name="T3" fmla="*/ 987 h 1363"/>
+              <a:gd name="T4" fmla="*/ 0 w 447"/>
+              <a:gd name="T5" fmla="*/ 0 h 1363"/>
+              <a:gd name="T6" fmla="*/ 447 w 447"/>
+              <a:gd name="T7" fmla="*/ 376 h 1363"/>
+              <a:gd name="T8" fmla="*/ 447 w 447"/>
+              <a:gd name="T9" fmla="*/ 1363 h 1363"/>
             </a:gdLst>
             <a:ahLst/>
             <a:cxnLst>
               <a:cxn ang="0">
-                <a:pos x="connsiteX0" y="connsiteY0"/>
+                <a:pos x="T0" y="T1"/>
               </a:cxn>
               <a:cxn ang="0">
-                <a:pos x="connsiteX1" y="connsiteY1"/>
+                <a:pos x="T2" y="T3"/>
               </a:cxn>
               <a:cxn ang="0">
-                <a:pos x="connsiteX2" y="connsiteY2"/>
+                <a:pos x="T4" y="T5"/>
               </a:cxn>
               <a:cxn ang="0">
-                <a:pos x="connsiteX3" y="connsiteY3"/>
+                <a:pos x="T6" y="T7"/>
               </a:cxn>
               <a:cxn ang="0">
-                <a:pos x="connsiteX4" y="connsiteY4"/>
-              </a:cxn>
-              <a:cxn ang="0">
-                <a:pos x="connsiteX5" y="connsiteY5"/>
+                <a:pos x="T8" y="T9"/>
               </a:cxn>
             </a:cxnLst>
-            <a:rect l="l" t="t" r="r" b="b"/>
+            <a:rect l="0" t="0" r="r" b="b"/>
             <a:pathLst>
-              <a:path w="6754318" h="6858478">
+              <a:path w="447" h="1363">
                 <a:moveTo>
-                  <a:pt x="0" y="6858478"/>
+                  <a:pt x="447" y="1363"/>
                 </a:moveTo>
                 <a:lnTo>
-                  <a:pt x="6754318" y="6858478"/>
-                </a:lnTo>
-                <a:lnTo>
-                  <a:pt x="3577943" y="0"/>
-                </a:lnTo>
-                <a:lnTo>
-                  <a:pt x="3572366" y="0"/>
-                </a:lnTo>
-                <a:lnTo>
-                  <a:pt x="2506138" y="0"/>
+                  <a:pt x="0" y="987"/>
                 </a:lnTo>
                 <a:lnTo>
                   <a:pt x="0" y="0"/>
+                </a:lnTo>
+                <a:lnTo>
+                  <a:pt x="447" y="376"/>
+                </a:lnTo>
+                <a:lnTo>
+                  <a:pt x="447" y="1363"/>
                 </a:lnTo>
                 <a:close/>
               </a:path>
             </a:pathLst>
           </a:custGeom>
           <a:solidFill>
-            <a:schemeClr val="bg1">
-              <a:lumMod val="85000"/>
-              <a:lumOff val="15000"/>
-              <a:alpha val="70000"/>
+            <a:schemeClr val="accent1">
+              <a:lumMod val="50000"/>
             </a:schemeClr>
           </a:solidFill>
           <a:ln>
             <a:noFill/>
           </a:ln>
         </p:spPr>
-        <p:style>
-          <a:lnRef idx="2">
-            <a:schemeClr val="accent1">
-              <a:shade val="50000"/>
-            </a:schemeClr>
-          </a:lnRef>
-          <a:fillRef idx="1">
-            <a:schemeClr val="accent1"/>
-          </a:fillRef>
-          <a:effectRef idx="0">
-            <a:schemeClr val="accent1"/>
-          </a:effectRef>
-          <a:fontRef idx="minor">
-            <a:schemeClr val="lt1"/>
-          </a:fontRef>
-        </p:style>
         <p:txBody>
-          <a:bodyPr wrap="square" rtlCol="0" anchor="ctr">
-            <a:noAutofit/>
+          <a:bodyPr vert="horz" wrap="square" lIns="91440" tIns="45720" rIns="91440" bIns="45720" numCol="1" anchor="t" anchorCtr="0" compatLnSpc="1">
+            <a:prstTxWarp prst="textNoShape">
+              <a:avLst/>
+            </a:prstTxWarp>
           </a:bodyPr>
           <a:lstStyle/>
           <a:p>
-            <a:pPr marL="0" marR="0" lvl="0" indent="0" algn="ctr" defTabSz="914400" rtl="0" eaLnBrk="1" fontAlgn="auto" latinLnBrk="0" hangingPunct="1">
-              <a:lnSpc>
-                <a:spcPct val="100000"/>
-              </a:lnSpc>
-              <a:spcBef>
-                <a:spcPts val="0"/>
-              </a:spcBef>
-              <a:spcAft>
-                <a:spcPts val="0"/>
-              </a:spcAft>
-              <a:buClrTx/>
-              <a:buSzTx/>
-              <a:buFontTx/>
-              <a:buNone/>
-              <a:tabLst/>
-              <a:defRPr/>
-            </a:pPr>
-            <a:endParaRPr kumimoji="0" lang="en-US" sz="1800" b="0" i="0" u="none" strike="noStrike" kern="1200" cap="none" spc="0" normalizeH="0" baseline="0" noProof="0">
-              <a:ln>
-                <a:noFill/>
-              </a:ln>
-              <a:solidFill>
-                <a:prstClr val="white"/>
-              </a:solidFill>
-              <a:effectLst/>
-              <a:uLnTx/>
-              <a:uFillTx/>
-              <a:latin typeface="Calibri" panose="020F0502020204030204"/>
-              <a:ea typeface="+mn-ea"/>
-              <a:cs typeface="+mn-cs"/>
-            </a:endParaRPr>
+            <a:endParaRPr lang="en-US"/>
           </a:p>
         </p:txBody>
       </p:sp>
       <p:sp>
         <p:nvSpPr>
-          <p:cNvPr id="14" name="Freeform: Shape 13">
+          <p:cNvPr id="21" name="Freeform 46">
             <a:extLst>
               <a:ext uri="{FF2B5EF4-FFF2-40B4-BE49-F238E27FC236}">
-                <a16:creationId xmlns:a16="http://schemas.microsoft.com/office/drawing/2014/main" id="{F78796AF-79A0-47AC-BEFD-BFFC00F968C4}"/>
+                <a16:creationId xmlns:a16="http://schemas.microsoft.com/office/drawing/2014/main" id="{2AEBC8F2-97B1-41B4-93F1-2D289E197FBA}"/>
               </a:ext>
               <a:ext uri="{C183D7F6-B498-43B3-948B-1728B52AA6E4}">
                 <adec:decorative xmlns:adec="http://schemas.microsoft.com/office/drawing/2017/decorative" val="1"/>
@@ -6427,136 +6575,339 @@
             </p:extLst>
           </p:nvPr>
         </p:nvSpPr>
-        <p:spPr>
-          <a:xfrm flipV="1">
-            <a:off x="1" y="-478"/>
-            <a:ext cx="5953780" cy="6858478"/>
+        <p:spPr bwMode="auto">
+          <a:xfrm>
+            <a:off x="409710" y="837744"/>
+            <a:ext cx="403225" cy="1705431"/>
           </a:xfrm>
           <a:custGeom>
             <a:avLst/>
             <a:gdLst>
-              <a:gd name="connsiteX0" fmla="*/ 0 w 5953780"/>
-              <a:gd name="connsiteY0" fmla="*/ 6858478 h 6858478"/>
-              <a:gd name="connsiteX1" fmla="*/ 5953780 w 5953780"/>
-              <a:gd name="connsiteY1" fmla="*/ 6858478 h 6858478"/>
-              <a:gd name="connsiteX2" fmla="*/ 2777405 w 5953780"/>
-              <a:gd name="connsiteY2" fmla="*/ 0 h 6858478"/>
-              <a:gd name="connsiteX3" fmla="*/ 2771828 w 5953780"/>
-              <a:gd name="connsiteY3" fmla="*/ 0 h 6858478"/>
-              <a:gd name="connsiteX4" fmla="*/ 1705600 w 5953780"/>
-              <a:gd name="connsiteY4" fmla="*/ 0 h 6858478"/>
-              <a:gd name="connsiteX5" fmla="*/ 0 w 5953780"/>
-              <a:gd name="connsiteY5" fmla="*/ 0 h 6858478"/>
+              <a:gd name="T0" fmla="*/ 254 w 254"/>
+              <a:gd name="T1" fmla="*/ 987 h 1109"/>
+              <a:gd name="T2" fmla="*/ 0 w 254"/>
+              <a:gd name="T3" fmla="*/ 1109 h 1109"/>
+              <a:gd name="T4" fmla="*/ 0 w 254"/>
+              <a:gd name="T5" fmla="*/ 119 h 1109"/>
+              <a:gd name="T6" fmla="*/ 254 w 254"/>
+              <a:gd name="T7" fmla="*/ 0 h 1109"/>
+              <a:gd name="T8" fmla="*/ 254 w 254"/>
+              <a:gd name="T9" fmla="*/ 987 h 1109"/>
             </a:gdLst>
             <a:ahLst/>
             <a:cxnLst>
               <a:cxn ang="0">
-                <a:pos x="connsiteX0" y="connsiteY0"/>
+                <a:pos x="T0" y="T1"/>
               </a:cxn>
               <a:cxn ang="0">
-                <a:pos x="connsiteX1" y="connsiteY1"/>
+                <a:pos x="T2" y="T3"/>
               </a:cxn>
               <a:cxn ang="0">
-                <a:pos x="connsiteX2" y="connsiteY2"/>
+                <a:pos x="T4" y="T5"/>
               </a:cxn>
               <a:cxn ang="0">
-                <a:pos x="connsiteX3" y="connsiteY3"/>
+                <a:pos x="T6" y="T7"/>
               </a:cxn>
               <a:cxn ang="0">
-                <a:pos x="connsiteX4" y="connsiteY4"/>
-              </a:cxn>
-              <a:cxn ang="0">
-                <a:pos x="connsiteX5" y="connsiteY5"/>
+                <a:pos x="T8" y="T9"/>
               </a:cxn>
             </a:cxnLst>
-            <a:rect l="l" t="t" r="r" b="b"/>
+            <a:rect l="0" t="0" r="r" b="b"/>
             <a:pathLst>
-              <a:path w="5953780" h="6858478">
+              <a:path w="254" h="1109">
                 <a:moveTo>
-                  <a:pt x="0" y="6858478"/>
+                  <a:pt x="254" y="987"/>
                 </a:moveTo>
                 <a:lnTo>
-                  <a:pt x="5953780" y="6858478"/>
+                  <a:pt x="0" y="1109"/>
                 </a:lnTo>
                 <a:lnTo>
-                  <a:pt x="2777405" y="0"/>
+                  <a:pt x="0" y="119"/>
                 </a:lnTo>
                 <a:lnTo>
-                  <a:pt x="2771828" y="0"/>
+                  <a:pt x="254" y="0"/>
                 </a:lnTo>
                 <a:lnTo>
-                  <a:pt x="1705600" y="0"/>
-                </a:lnTo>
-                <a:lnTo>
-                  <a:pt x="0" y="0"/>
+                  <a:pt x="254" y="987"/>
                 </a:lnTo>
                 <a:close/>
               </a:path>
             </a:pathLst>
           </a:custGeom>
           <a:solidFill>
-            <a:schemeClr val="bg1">
-              <a:lumMod val="85000"/>
-              <a:lumOff val="15000"/>
+            <a:schemeClr val="accent1">
+              <a:lumMod val="75000"/>
             </a:schemeClr>
           </a:solidFill>
           <a:ln>
             <a:noFill/>
           </a:ln>
         </p:spPr>
-        <p:style>
-          <a:lnRef idx="2">
-            <a:schemeClr val="accent1">
-              <a:shade val="50000"/>
-            </a:schemeClr>
-          </a:lnRef>
-          <a:fillRef idx="1">
-            <a:schemeClr val="accent1"/>
-          </a:fillRef>
-          <a:effectRef idx="0">
-            <a:schemeClr val="accent1"/>
-          </a:effectRef>
-          <a:fontRef idx="minor">
-            <a:schemeClr val="lt1"/>
-          </a:fontRef>
-        </p:style>
         <p:txBody>
-          <a:bodyPr wrap="square" rtlCol="0" anchor="ctr">
-            <a:noAutofit/>
+          <a:bodyPr vert="horz" wrap="square" lIns="91440" tIns="45720" rIns="91440" bIns="45720" numCol="1" anchor="t" anchorCtr="0" compatLnSpc="1">
+            <a:prstTxWarp prst="textNoShape">
+              <a:avLst/>
+            </a:prstTxWarp>
           </a:bodyPr>
           <a:lstStyle/>
           <a:p>
-            <a:pPr marL="0" marR="0" lvl="0" indent="0" algn="ctr" defTabSz="914400" rtl="0" eaLnBrk="1" fontAlgn="auto" latinLnBrk="0" hangingPunct="1">
-              <a:lnSpc>
-                <a:spcPct val="100000"/>
-              </a:lnSpc>
-              <a:spcBef>
-                <a:spcPts val="0"/>
-              </a:spcBef>
-              <a:spcAft>
-                <a:spcPts val="0"/>
-              </a:spcAft>
-              <a:buClrTx/>
-              <a:buSzTx/>
-              <a:buFontTx/>
-              <a:buNone/>
-              <a:tabLst/>
-              <a:defRPr/>
-            </a:pPr>
-            <a:endParaRPr kumimoji="0" lang="en-US" sz="1800" b="0" i="0" u="none" strike="noStrike" kern="1200" cap="none" spc="0" normalizeH="0" baseline="0" noProof="0">
-              <a:ln>
-                <a:noFill/>
-              </a:ln>
-              <a:solidFill>
-                <a:prstClr val="white"/>
-              </a:solidFill>
-              <a:effectLst/>
-              <a:uLnTx/>
-              <a:uFillTx/>
-              <a:latin typeface="Calibri" panose="020F0502020204030204"/>
-              <a:ea typeface="+mn-ea"/>
-              <a:cs typeface="+mn-cs"/>
-            </a:endParaRPr>
+            <a:endParaRPr lang="en-US"/>
+          </a:p>
+        </p:txBody>
+      </p:sp>
+      <p:sp>
+        <p:nvSpPr>
+          <p:cNvPr id="22" name="Freeform 47">
+            <a:extLst>
+              <a:ext uri="{FF2B5EF4-FFF2-40B4-BE49-F238E27FC236}">
+                <a16:creationId xmlns:a16="http://schemas.microsoft.com/office/drawing/2014/main" id="{472E3A19-F5D5-48FC-BB9C-48C2F68F598B}"/>
+              </a:ext>
+              <a:ext uri="{C183D7F6-B498-43B3-948B-1728B52AA6E4}">
+                <adec:decorative xmlns:adec="http://schemas.microsoft.com/office/drawing/2017/decorative" val="1"/>
+              </a:ext>
+            </a:extLst>
+          </p:cNvPr>
+          <p:cNvSpPr>
+            <a:spLocks noGrp="1" noRot="1" noChangeAspect="1" noMove="1" noResize="1" noEditPoints="1" noAdjustHandles="1" noChangeArrowheads="1" noChangeShapeType="1" noTextEdit="1"/>
+          </p:cNvSpPr>
+          <p:nvPr>
+            <p:extLst>
+              <p:ext uri="{386F3935-93C4-4BCD-93E2-E3B085C9AB24}">
+                <p16:designElem xmlns:p16="http://schemas.microsoft.com/office/powerpoint/2015/main" val="1"/>
+              </p:ext>
+            </p:extLst>
+          </p:nvPr>
+        </p:nvSpPr>
+        <p:spPr bwMode="auto">
+          <a:xfrm>
+            <a:off x="644660" y="640894"/>
+            <a:ext cx="168275" cy="1713195"/>
+          </a:xfrm>
+          <a:custGeom>
+            <a:avLst/>
+            <a:gdLst>
+              <a:gd name="T0" fmla="*/ 106 w 106"/>
+              <a:gd name="T1" fmla="*/ 1114 h 1114"/>
+              <a:gd name="T2" fmla="*/ 0 w 106"/>
+              <a:gd name="T3" fmla="*/ 1005 h 1114"/>
+              <a:gd name="T4" fmla="*/ 0 w 106"/>
+              <a:gd name="T5" fmla="*/ 0 h 1114"/>
+              <a:gd name="T6" fmla="*/ 106 w 106"/>
+              <a:gd name="T7" fmla="*/ 110 h 1114"/>
+              <a:gd name="T8" fmla="*/ 106 w 106"/>
+              <a:gd name="T9" fmla="*/ 1114 h 1114"/>
+            </a:gdLst>
+            <a:ahLst/>
+            <a:cxnLst>
+              <a:cxn ang="0">
+                <a:pos x="T0" y="T1"/>
+              </a:cxn>
+              <a:cxn ang="0">
+                <a:pos x="T2" y="T3"/>
+              </a:cxn>
+              <a:cxn ang="0">
+                <a:pos x="T4" y="T5"/>
+              </a:cxn>
+              <a:cxn ang="0">
+                <a:pos x="T6" y="T7"/>
+              </a:cxn>
+              <a:cxn ang="0">
+                <a:pos x="T8" y="T9"/>
+              </a:cxn>
+            </a:cxnLst>
+            <a:rect l="0" t="0" r="r" b="b"/>
+            <a:pathLst>
+              <a:path w="106" h="1114">
+                <a:moveTo>
+                  <a:pt x="106" y="1114"/>
+                </a:moveTo>
+                <a:lnTo>
+                  <a:pt x="0" y="1005"/>
+                </a:lnTo>
+                <a:lnTo>
+                  <a:pt x="0" y="0"/>
+                </a:lnTo>
+                <a:lnTo>
+                  <a:pt x="106" y="110"/>
+                </a:lnTo>
+                <a:lnTo>
+                  <a:pt x="106" y="1114"/>
+                </a:lnTo>
+                <a:close/>
+              </a:path>
+            </a:pathLst>
+          </a:custGeom>
+          <a:solidFill>
+            <a:schemeClr val="accent1">
+              <a:lumMod val="50000"/>
+            </a:schemeClr>
+          </a:solidFill>
+          <a:ln>
+            <a:noFill/>
+          </a:ln>
+        </p:spPr>
+        <p:txBody>
+          <a:bodyPr vert="horz" wrap="square" lIns="91440" tIns="45720" rIns="91440" bIns="45720" numCol="1" anchor="t" anchorCtr="0" compatLnSpc="1">
+            <a:prstTxWarp prst="textNoShape">
+              <a:avLst/>
+            </a:prstTxWarp>
+          </a:bodyPr>
+          <a:lstStyle/>
+          <a:p>
+            <a:endParaRPr lang="en-US"/>
+          </a:p>
+        </p:txBody>
+      </p:sp>
+      <p:sp>
+        <p:nvSpPr>
+          <p:cNvPr id="23" name="Freeform 44">
+            <a:extLst>
+              <a:ext uri="{FF2B5EF4-FFF2-40B4-BE49-F238E27FC236}">
+                <a16:creationId xmlns:a16="http://schemas.microsoft.com/office/drawing/2014/main" id="{7A62E32F-BB65-43A8-8EB5-92346890E549}"/>
+              </a:ext>
+              <a:ext uri="{C183D7F6-B498-43B3-948B-1728B52AA6E4}">
+                <adec:decorative xmlns:adec="http://schemas.microsoft.com/office/drawing/2017/decorative" val="1"/>
+              </a:ext>
+            </a:extLst>
+          </p:cNvPr>
+          <p:cNvSpPr>
+            <a:spLocks noGrp="1" noRot="1" noChangeAspect="1" noMove="1" noResize="1" noEditPoints="1" noAdjustHandles="1" noChangeArrowheads="1" noChangeShapeType="1" noTextEdit="1"/>
+          </p:cNvSpPr>
+          <p:nvPr>
+            <p:extLst>
+              <p:ext uri="{386F3935-93C4-4BCD-93E2-E3B085C9AB24}">
+                <p16:designElem xmlns:p16="http://schemas.microsoft.com/office/powerpoint/2015/main" val="1"/>
+              </p:ext>
+            </p:extLst>
+          </p:nvPr>
+        </p:nvSpPr>
+        <p:spPr bwMode="auto">
+          <a:xfrm>
+            <a:off x="11223203" y="635716"/>
+            <a:ext cx="328612" cy="1742360"/>
+          </a:xfrm>
+          <a:custGeom>
+            <a:avLst/>
+            <a:gdLst>
+              <a:gd name="T0" fmla="*/ 207 w 207"/>
+              <a:gd name="T1" fmla="*/ 987 h 1114"/>
+              <a:gd name="T2" fmla="*/ 0 w 207"/>
+              <a:gd name="T3" fmla="*/ 1114 h 1114"/>
+              <a:gd name="T4" fmla="*/ 0 w 207"/>
+              <a:gd name="T5" fmla="*/ 127 h 1114"/>
+              <a:gd name="T6" fmla="*/ 207 w 207"/>
+              <a:gd name="T7" fmla="*/ 0 h 1114"/>
+              <a:gd name="T8" fmla="*/ 207 w 207"/>
+              <a:gd name="T9" fmla="*/ 987 h 1114"/>
+            </a:gdLst>
+            <a:ahLst/>
+            <a:cxnLst>
+              <a:cxn ang="0">
+                <a:pos x="T0" y="T1"/>
+              </a:cxn>
+              <a:cxn ang="0">
+                <a:pos x="T2" y="T3"/>
+              </a:cxn>
+              <a:cxn ang="0">
+                <a:pos x="T4" y="T5"/>
+              </a:cxn>
+              <a:cxn ang="0">
+                <a:pos x="T6" y="T7"/>
+              </a:cxn>
+              <a:cxn ang="0">
+                <a:pos x="T8" y="T9"/>
+              </a:cxn>
+            </a:cxnLst>
+            <a:rect l="0" t="0" r="r" b="b"/>
+            <a:pathLst>
+              <a:path w="207" h="1114">
+                <a:moveTo>
+                  <a:pt x="207" y="987"/>
+                </a:moveTo>
+                <a:lnTo>
+                  <a:pt x="0" y="1114"/>
+                </a:lnTo>
+                <a:lnTo>
+                  <a:pt x="0" y="127"/>
+                </a:lnTo>
+                <a:lnTo>
+                  <a:pt x="207" y="0"/>
+                </a:lnTo>
+                <a:lnTo>
+                  <a:pt x="207" y="987"/>
+                </a:lnTo>
+                <a:close/>
+              </a:path>
+            </a:pathLst>
+          </a:custGeom>
+          <a:solidFill>
+            <a:schemeClr val="accent1">
+              <a:lumMod val="50000"/>
+            </a:schemeClr>
+          </a:solidFill>
+          <a:ln>
+            <a:noFill/>
+          </a:ln>
+        </p:spPr>
+        <p:txBody>
+          <a:bodyPr vert="horz" wrap="square" lIns="91440" tIns="45720" rIns="91440" bIns="45720" numCol="1" anchor="t" anchorCtr="0" compatLnSpc="1">
+            <a:prstTxWarp prst="textNoShape">
+              <a:avLst/>
+            </a:prstTxWarp>
+          </a:bodyPr>
+          <a:lstStyle/>
+          <a:p>
+            <a:endParaRPr lang="en-US"/>
+          </a:p>
+        </p:txBody>
+      </p:sp>
+      <p:sp>
+        <p:nvSpPr>
+          <p:cNvPr id="18" name="Rectangle 17">
+            <a:extLst>
+              <a:ext uri="{FF2B5EF4-FFF2-40B4-BE49-F238E27FC236}">
+                <a16:creationId xmlns:a16="http://schemas.microsoft.com/office/drawing/2014/main" id="{14E91B64-9FCC-451E-AFB4-A827D6329367}"/>
+              </a:ext>
+              <a:ext uri="{C183D7F6-B498-43B3-948B-1728B52AA6E4}">
+                <adec:decorative xmlns:adec="http://schemas.microsoft.com/office/drawing/2017/decorative" val="1"/>
+              </a:ext>
+            </a:extLst>
+          </p:cNvPr>
+          <p:cNvSpPr>
+            <a:spLocks noGrp="1" noRot="1" noChangeAspect="1" noMove="1" noResize="1" noEditPoints="1" noAdjustHandles="1" noChangeArrowheads="1" noChangeShapeType="1" noTextEdit="1"/>
+          </p:cNvSpPr>
+          <p:nvPr>
+            <p:extLst>
+              <p:ext uri="{386F3935-93C4-4BCD-93E2-E3B085C9AB24}">
+                <p16:designElem xmlns:p16="http://schemas.microsoft.com/office/powerpoint/2015/main" val="1"/>
+              </p:ext>
+            </p:extLst>
+          </p:nvPr>
+        </p:nvSpPr>
+        <p:spPr bwMode="auto">
+          <a:xfrm>
+            <a:off x="644055" y="635715"/>
+            <a:ext cx="10907863" cy="1541457"/>
+          </a:xfrm>
+          <a:prstGeom prst="rect">
+            <a:avLst/>
+          </a:prstGeom>
+          <a:solidFill>
+            <a:schemeClr val="accent1"/>
+          </a:solidFill>
+          <a:ln>
+            <a:noFill/>
+          </a:ln>
+        </p:spPr>
+        <p:txBody>
+          <a:bodyPr vert="horz" wrap="square" lIns="91440" tIns="45720" rIns="91440" bIns="45720" numCol="1" anchor="t" anchorCtr="0" compatLnSpc="1">
+            <a:prstTxWarp prst="textNoShape">
+              <a:avLst/>
+            </a:prstTxWarp>
+          </a:bodyPr>
+          <a:lstStyle/>
+          <a:p>
+            <a:endParaRPr lang="en-US"/>
           </a:p>
         </p:txBody>
       </p:sp>
@@ -6565,7 +6916,7 @@
           <p:cNvPr id="2" name="Title 1">
             <a:extLst>
               <a:ext uri="{FF2B5EF4-FFF2-40B4-BE49-F238E27FC236}">
-                <a16:creationId xmlns:a16="http://schemas.microsoft.com/office/drawing/2014/main" id="{97AB05B8-9DA5-4A66-863B-F9C4F1DC6D78}"/>
+                <a16:creationId xmlns:a16="http://schemas.microsoft.com/office/drawing/2014/main" id="{BB65D9C0-6841-4BCF-AE4E-BAD925F0C7D3}"/>
               </a:ext>
             </a:extLst>
           </p:cNvPr>
@@ -6573,74 +6924,171 @@
             <a:spLocks noGrp="1"/>
           </p:cNvSpPr>
           <p:nvPr>
-            <p:ph type="ctrTitle"/>
+            <p:ph type="title"/>
           </p:nvPr>
         </p:nvSpPr>
         <p:spPr>
           <a:xfrm>
-            <a:off x="804672" y="338328"/>
-            <a:ext cx="3877056" cy="2249424"/>
+            <a:off x="958506" y="800392"/>
+            <a:ext cx="10264697" cy="1212102"/>
           </a:xfrm>
         </p:spPr>
         <p:txBody>
-          <a:bodyPr anchor="b">
+          <a:bodyPr>
             <a:normAutofit/>
           </a:bodyPr>
           <a:lstStyle/>
           <a:p>
-            <a:pPr algn="l"/>
             <a:r>
-              <a:rPr lang="it-IT" sz="5400" dirty="0"/>
-              <a:t>Tutorial 2</a:t>
-            </a:r>
-            <a:endParaRPr lang="en-US" sz="5400" dirty="0"/>
-          </a:p>
-        </p:txBody>
-      </p:sp>
-      <p:sp>
-        <p:nvSpPr>
-          <p:cNvPr id="3" name="Subtitle 2">
-            <a:extLst>
-              <a:ext uri="{FF2B5EF4-FFF2-40B4-BE49-F238E27FC236}">
-                <a16:creationId xmlns:a16="http://schemas.microsoft.com/office/drawing/2014/main" id="{6B64B1D8-42AC-4228-9A93-7E5EE3AE1CA1}"/>
-              </a:ext>
-            </a:extLst>
-          </p:cNvPr>
-          <p:cNvSpPr>
-            <a:spLocks noGrp="1"/>
-          </p:cNvSpPr>
-          <p:nvPr>
-            <p:ph type="subTitle" idx="1"/>
-          </p:nvPr>
-        </p:nvSpPr>
-        <p:spPr>
-          <a:xfrm>
-            <a:off x="804672" y="2724912"/>
-            <a:ext cx="3209544" cy="1155525"/>
-          </a:xfrm>
-        </p:spPr>
-        <p:txBody>
-          <a:bodyPr anchor="t">
-            <a:normAutofit/>
-          </a:bodyPr>
-          <a:lstStyle/>
-          <a:p>
-            <a:pPr algn="l"/>
-            <a:r>
-              <a:rPr lang="en-US" sz="2000" b="1" dirty="0">
+              <a:rPr lang="en-US" sz="4000" dirty="0">
                 <a:solidFill>
                   <a:srgbClr val="FFFFFF"/>
                 </a:solidFill>
               </a:rPr>
-              <a:t>COEN 352: Data structure and algorithm</a:t>
+              <a:t>NP-complete example</a:t>
             </a:r>
-            <a:endParaRPr lang="en-US" sz="2000" dirty="0"/>
           </a:p>
+        </p:txBody>
+      </p:sp>
+      <p:pic>
+        <p:nvPicPr>
+          <p:cNvPr id="12" name="Content Placeholder 4">
+            <a:extLst>
+              <a:ext uri="{FF2B5EF4-FFF2-40B4-BE49-F238E27FC236}">
+                <a16:creationId xmlns:a16="http://schemas.microsoft.com/office/drawing/2014/main" id="{992AF886-F52A-4046-9B5F-ABDF2AEA22DF}"/>
+              </a:ext>
+            </a:extLst>
+          </p:cNvPr>
+          <p:cNvPicPr>
+            <a:picLocks noChangeAspect="1"/>
+          </p:cNvPicPr>
+          <p:nvPr/>
+        </p:nvPicPr>
+        <p:blipFill>
+          <a:blip r:embed="rId2"/>
+          <a:stretch>
+            <a:fillRect/>
+          </a:stretch>
+        </p:blipFill>
+        <p:spPr>
+          <a:xfrm>
+            <a:off x="1752600" y="2335168"/>
+            <a:ext cx="6553200" cy="3162300"/>
+          </a:xfrm>
+          <a:prstGeom prst="rect">
+            <a:avLst/>
+          </a:prstGeom>
+        </p:spPr>
+      </p:pic>
+      <p:pic>
+        <p:nvPicPr>
+          <p:cNvPr id="13" name="Picture 12">
+            <a:extLst>
+              <a:ext uri="{FF2B5EF4-FFF2-40B4-BE49-F238E27FC236}">
+                <a16:creationId xmlns:a16="http://schemas.microsoft.com/office/drawing/2014/main" id="{FDCBF260-B4F4-4DA3-A55A-E4E044F42743}"/>
+              </a:ext>
+            </a:extLst>
+          </p:cNvPr>
+          <p:cNvPicPr>
+            <a:picLocks noChangeAspect="1"/>
+          </p:cNvPicPr>
+          <p:nvPr/>
+        </p:nvPicPr>
+        <p:blipFill>
+          <a:blip r:embed="rId3"/>
+          <a:stretch>
+            <a:fillRect/>
+          </a:stretch>
+        </p:blipFill>
+        <p:spPr>
+          <a:xfrm>
+            <a:off x="1752600" y="5497468"/>
+            <a:ext cx="8686800" cy="600075"/>
+          </a:xfrm>
+          <a:prstGeom prst="rect">
+            <a:avLst/>
+          </a:prstGeom>
+        </p:spPr>
+      </p:pic>
+      <p:pic>
+        <p:nvPicPr>
+          <p:cNvPr id="14" name="Picture 13">
+            <a:extLst>
+              <a:ext uri="{FF2B5EF4-FFF2-40B4-BE49-F238E27FC236}">
+                <a16:creationId xmlns:a16="http://schemas.microsoft.com/office/drawing/2014/main" id="{A35B20C2-E6DB-4F56-914C-12A87AAD81A1}"/>
+              </a:ext>
+            </a:extLst>
+          </p:cNvPr>
+          <p:cNvPicPr>
+            <a:picLocks noChangeAspect="1"/>
+          </p:cNvPicPr>
+          <p:nvPr/>
+        </p:nvPicPr>
+        <p:blipFill>
+          <a:blip r:embed="rId4"/>
+          <a:stretch>
+            <a:fillRect/>
+          </a:stretch>
+        </p:blipFill>
+        <p:spPr>
+          <a:xfrm>
+            <a:off x="7999817" y="2742200"/>
+            <a:ext cx="2702395" cy="2711943"/>
+          </a:xfrm>
+          <a:prstGeom prst="rect">
+            <a:avLst/>
+          </a:prstGeom>
+        </p:spPr>
+      </p:pic>
+      <p:sp>
+        <p:nvSpPr>
+          <p:cNvPr id="15" name="TextBox 14">
+            <a:extLst>
+              <a:ext uri="{FF2B5EF4-FFF2-40B4-BE49-F238E27FC236}">
+                <a16:creationId xmlns:a16="http://schemas.microsoft.com/office/drawing/2014/main" id="{57914F21-55A9-4DAD-9150-24A363FF7B12}"/>
+              </a:ext>
+            </a:extLst>
+          </p:cNvPr>
+          <p:cNvSpPr txBox="1"/>
+          <p:nvPr/>
+        </p:nvSpPr>
+        <p:spPr>
+          <a:xfrm>
+            <a:off x="1614762" y="6257792"/>
+            <a:ext cx="8966447" cy="369332"/>
+          </a:xfrm>
+          <a:prstGeom prst="rect">
+            <a:avLst/>
+          </a:prstGeom>
+        </p:spPr>
+        <p:style>
+          <a:lnRef idx="2">
+            <a:schemeClr val="dk1"/>
+          </a:lnRef>
+          <a:fillRef idx="1">
+            <a:schemeClr val="lt1"/>
+          </a:fillRef>
+          <a:effectRef idx="0">
+            <a:schemeClr val="dk1"/>
+          </a:effectRef>
+          <a:fontRef idx="minor">
+            <a:schemeClr val="dk1"/>
+          </a:fontRef>
+        </p:style>
+        <p:txBody>
+          <a:bodyPr wrap="square" rtlCol="0">
+            <a:spAutoFit/>
+          </a:bodyPr>
+          <a:lstStyle/>
           <a:p>
-            <a:pPr algn="l"/>
+            <a:pPr algn="ctr"/>
             <a:r>
-              <a:rPr lang="en-US" sz="2000" dirty="0"/>
-              <a:t>TA: Mohammed A. Shehab</a:t>
+              <a:rPr lang="en-US" b="1" dirty="0">
+                <a:solidFill>
+                  <a:schemeClr val="accent2"/>
+                </a:solidFill>
+              </a:rPr>
+              <a:t>Read the file Note2.pdf, if you want to see the proof of minimum number of colors </a:t>
             </a:r>
           </a:p>
         </p:txBody>
@@ -6648,17 +7096,140 @@
     </p:spTree>
     <p:extLst>
       <p:ext uri="{BB962C8B-B14F-4D97-AF65-F5344CB8AC3E}">
-        <p14:creationId xmlns:p14="http://schemas.microsoft.com/office/powerpoint/2010/main" val="1474576961"/>
+        <p14:creationId xmlns:p14="http://schemas.microsoft.com/office/powerpoint/2010/main" val="872409794"/>
       </p:ext>
     </p:extLst>
   </p:cSld>
   <p:clrMapOvr>
-    <a:overrideClrMapping bg1="dk1" tx1="lt1" bg2="dk2" tx2="lt2" accent1="accent1" accent2="accent2" accent3="accent3" accent4="accent4" accent5="accent5" accent6="accent6" hlink="hlink" folHlink="folHlink"/>
+    <a:masterClrMapping/>
   </p:clrMapOvr>
+  <p:timing>
+    <p:tnLst>
+      <p:par>
+        <p:cTn id="1" dur="indefinite" restart="never" nodeType="tmRoot">
+          <p:childTnLst>
+            <p:seq concurrent="1" nextAc="seek">
+              <p:cTn id="2" dur="indefinite" nodeType="mainSeq">
+                <p:childTnLst>
+                  <p:par>
+                    <p:cTn id="3" fill="hold">
+                      <p:stCondLst>
+                        <p:cond delay="indefinite"/>
+                      </p:stCondLst>
+                      <p:childTnLst>
+                        <p:par>
+                          <p:cTn id="4" fill="hold">
+                            <p:stCondLst>
+                              <p:cond delay="0"/>
+                            </p:stCondLst>
+                            <p:childTnLst>
+                              <p:par>
+                                <p:cTn id="5" presetID="1" presetClass="entr" presetSubtype="0" fill="hold" nodeType="clickEffect">
+                                  <p:stCondLst>
+                                    <p:cond delay="0"/>
+                                  </p:stCondLst>
+                                  <p:childTnLst>
+                                    <p:set>
+                                      <p:cBhvr>
+                                        <p:cTn id="6" dur="1" fill="hold">
+                                          <p:stCondLst>
+                                            <p:cond delay="0"/>
+                                          </p:stCondLst>
+                                        </p:cTn>
+                                        <p:tgtEl>
+                                          <p:spTgt spid="14"/>
+                                        </p:tgtEl>
+                                        <p:attrNameLst>
+                                          <p:attrName>style.visibility</p:attrName>
+                                        </p:attrNameLst>
+                                      </p:cBhvr>
+                                      <p:to>
+                                        <p:strVal val="visible"/>
+                                      </p:to>
+                                    </p:set>
+                                  </p:childTnLst>
+                                </p:cTn>
+                              </p:par>
+                            </p:childTnLst>
+                          </p:cTn>
+                        </p:par>
+                      </p:childTnLst>
+                    </p:cTn>
+                  </p:par>
+                  <p:par>
+                    <p:cTn id="7" fill="hold">
+                      <p:stCondLst>
+                        <p:cond delay="indefinite"/>
+                      </p:stCondLst>
+                      <p:childTnLst>
+                        <p:par>
+                          <p:cTn id="8" fill="hold">
+                            <p:stCondLst>
+                              <p:cond delay="0"/>
+                            </p:stCondLst>
+                            <p:childTnLst>
+                              <p:par>
+                                <p:cTn id="9" presetID="1" presetClass="entr" presetSubtype="0" fill="hold" grpId="0" nodeType="clickEffect">
+                                  <p:stCondLst>
+                                    <p:cond delay="0"/>
+                                  </p:stCondLst>
+                                  <p:childTnLst>
+                                    <p:set>
+                                      <p:cBhvr>
+                                        <p:cTn id="10" dur="1" fill="hold">
+                                          <p:stCondLst>
+                                            <p:cond delay="0"/>
+                                          </p:stCondLst>
+                                        </p:cTn>
+                                        <p:tgtEl>
+                                          <p:spTgt spid="15"/>
+                                        </p:tgtEl>
+                                        <p:attrNameLst>
+                                          <p:attrName>style.visibility</p:attrName>
+                                        </p:attrNameLst>
+                                      </p:cBhvr>
+                                      <p:to>
+                                        <p:strVal val="visible"/>
+                                      </p:to>
+                                    </p:set>
+                                  </p:childTnLst>
+                                </p:cTn>
+                              </p:par>
+                            </p:childTnLst>
+                          </p:cTn>
+                        </p:par>
+                      </p:childTnLst>
+                    </p:cTn>
+                  </p:par>
+                </p:childTnLst>
+              </p:cTn>
+              <p:prevCondLst>
+                <p:cond evt="onPrev" delay="0">
+                  <p:tgtEl>
+                    <p:sldTgt/>
+                  </p:tgtEl>
+                </p:cond>
+              </p:prevCondLst>
+              <p:nextCondLst>
+                <p:cond evt="onNext" delay="0">
+                  <p:tgtEl>
+                    <p:sldTgt/>
+                  </p:tgtEl>
+                </p:cond>
+              </p:nextCondLst>
+            </p:seq>
+          </p:childTnLst>
+        </p:cTn>
+      </p:par>
+    </p:tnLst>
+    <p:bldLst>
+      <p:bldP spid="15" grpId="0" animBg="1"/>
+    </p:bldLst>
+  </p:timing>
 </p:sld>
 </file>
 
-<file path=ppt/slides/slide10.xml><?xml version="1.0" encoding="utf-8"?>
+<file path=ppt/slides/slide11.xml><?xml version="1.0" encoding="utf-8"?>
 <p:sld xmlns:a="http://schemas.openxmlformats.org/drawingml/2006/main" xmlns:r="http://schemas.openxmlformats.org/officeDocument/2006/relationships" xmlns:p="http://schemas.openxmlformats.org/presentationml/2006/main">
   <p:cSld>
     <p:bg>
@@ -7925,7 +8496,7 @@
 </p:sld>
 </file>
 
-<file path=ppt/slides/slide11.xml><?xml version="1.0" encoding="utf-8"?>
+<file path=ppt/slides/slide12.xml><?xml version="1.0" encoding="utf-8"?>
 <p:sld xmlns:a="http://schemas.openxmlformats.org/drawingml/2006/main" xmlns:r="http://schemas.openxmlformats.org/officeDocument/2006/relationships" xmlns:p="http://schemas.openxmlformats.org/presentationml/2006/main">
   <p:cSld>
     <p:spTree>
@@ -8010,7 +8581,7 @@
 </p:sld>
 </file>
 
-<file path=ppt/slides/slide12.xml><?xml version="1.0" encoding="utf-8"?>
+<file path=ppt/slides/slide13.xml><?xml version="1.0" encoding="utf-8"?>
 <p:sld xmlns:a="http://schemas.openxmlformats.org/drawingml/2006/main" xmlns:r="http://schemas.openxmlformats.org/officeDocument/2006/relationships" xmlns:p="http://schemas.openxmlformats.org/presentationml/2006/main">
   <p:cSld>
     <p:spTree>
@@ -8095,7 +8666,7 @@
 </p:sld>
 </file>
 
-<file path=ppt/slides/slide13.xml><?xml version="1.0" encoding="utf-8"?>
+<file path=ppt/slides/slide14.xml><?xml version="1.0" encoding="utf-8"?>
 <p:sld xmlns:a="http://schemas.openxmlformats.org/drawingml/2006/main" xmlns:r="http://schemas.openxmlformats.org/officeDocument/2006/relationships" xmlns:p="http://schemas.openxmlformats.org/presentationml/2006/main">
   <p:cSld>
     <p:spTree>
@@ -8180,7 +8751,7 @@
 </p:sld>
 </file>
 
-<file path=ppt/slides/slide14.xml><?xml version="1.0" encoding="utf-8"?>
+<file path=ppt/slides/slide15.xml><?xml version="1.0" encoding="utf-8"?>
 <p:sld xmlns:a="http://schemas.openxmlformats.org/drawingml/2006/main" xmlns:r="http://schemas.openxmlformats.org/officeDocument/2006/relationships" xmlns:p="http://schemas.openxmlformats.org/presentationml/2006/main">
   <p:cSld>
     <p:spTree>
@@ -8265,7 +8836,7 @@
 </p:sld>
 </file>
 
-<file path=ppt/slides/slide15.xml><?xml version="1.0" encoding="utf-8"?>
+<file path=ppt/slides/slide16.xml><?xml version="1.0" encoding="utf-8"?>
 <p:sld xmlns:a="http://schemas.openxmlformats.org/drawingml/2006/main" xmlns:r="http://schemas.openxmlformats.org/officeDocument/2006/relationships" xmlns:p="http://schemas.openxmlformats.org/presentationml/2006/main">
   <p:cSld>
     <p:spTree>
@@ -8350,7 +8921,7 @@
 </p:sld>
 </file>
 
-<file path=ppt/slides/slide16.xml><?xml version="1.0" encoding="utf-8"?>
+<file path=ppt/slides/slide17.xml><?xml version="1.0" encoding="utf-8"?>
 <p:sld xmlns:a="http://schemas.openxmlformats.org/drawingml/2006/main" xmlns:r="http://schemas.openxmlformats.org/officeDocument/2006/relationships" xmlns:p="http://schemas.openxmlformats.org/presentationml/2006/main">
   <p:cSld>
     <p:spTree>
@@ -8435,7 +9006,7 @@
 </p:sld>
 </file>
 
-<file path=ppt/slides/slide17.xml><?xml version="1.0" encoding="utf-8"?>
+<file path=ppt/slides/slide18.xml><?xml version="1.0" encoding="utf-8"?>
 <p:sld xmlns:a="http://schemas.openxmlformats.org/drawingml/2006/main" xmlns:r="http://schemas.openxmlformats.org/officeDocument/2006/relationships" xmlns:p="http://schemas.openxmlformats.org/presentationml/2006/main">
   <p:cSld>
     <p:bg>
@@ -8722,7 +9293,7 @@
 </p:sld>
 </file>
 
-<file path=ppt/slides/slide18.xml><?xml version="1.0" encoding="utf-8"?>
+<file path=ppt/slides/slide19.xml><?xml version="1.0" encoding="utf-8"?>
 <p:sld xmlns:a="http://schemas.openxmlformats.org/drawingml/2006/main" xmlns:r="http://schemas.openxmlformats.org/officeDocument/2006/relationships" xmlns:p="http://schemas.openxmlformats.org/presentationml/2006/main">
   <p:cSld>
     <p:spTree>
@@ -9652,6 +10223,551 @@
           <a:chExt cx="0" cy="0"/>
         </a:xfrm>
       </p:grpSpPr>
+      <p:sp>
+        <p:nvSpPr>
+          <p:cNvPr id="10" name="Rectangle 9">
+            <a:extLst>
+              <a:ext uri="{FF2B5EF4-FFF2-40B4-BE49-F238E27FC236}">
+                <a16:creationId xmlns:a16="http://schemas.microsoft.com/office/drawing/2014/main" id="{0DE6A193-4755-479A-BC6F-A7EBCA73BE1A}"/>
+              </a:ext>
+              <a:ext uri="{C183D7F6-B498-43B3-948B-1728B52AA6E4}">
+                <adec:decorative xmlns:adec="http://schemas.microsoft.com/office/drawing/2017/decorative" val="1"/>
+              </a:ext>
+            </a:extLst>
+          </p:cNvPr>
+          <p:cNvSpPr>
+            <a:spLocks noGrp="1" noRot="1" noChangeAspect="1" noMove="1" noResize="1" noEditPoints="1" noAdjustHandles="1" noChangeArrowheads="1" noChangeShapeType="1" noTextEdit="1"/>
+          </p:cNvSpPr>
+          <p:nvPr>
+            <p:extLst>
+              <p:ext uri="{386F3935-93C4-4BCD-93E2-E3B085C9AB24}">
+                <p16:designElem xmlns:p16="http://schemas.microsoft.com/office/powerpoint/2015/main" val="1"/>
+              </p:ext>
+            </p:extLst>
+          </p:nvPr>
+        </p:nvSpPr>
+        <p:spPr>
+          <a:xfrm>
+            <a:off x="0" y="0"/>
+            <a:ext cx="12192001" cy="6858000"/>
+          </a:xfrm>
+          <a:prstGeom prst="rect">
+            <a:avLst/>
+          </a:prstGeom>
+          <a:solidFill>
+            <a:schemeClr val="tx1"/>
+          </a:solidFill>
+          <a:ln>
+            <a:noFill/>
+          </a:ln>
+        </p:spPr>
+        <p:style>
+          <a:lnRef idx="2">
+            <a:schemeClr val="accent1">
+              <a:shade val="50000"/>
+            </a:schemeClr>
+          </a:lnRef>
+          <a:fillRef idx="1">
+            <a:schemeClr val="accent1"/>
+          </a:fillRef>
+          <a:effectRef idx="0">
+            <a:schemeClr val="accent1"/>
+          </a:effectRef>
+          <a:fontRef idx="minor">
+            <a:schemeClr val="lt1"/>
+          </a:fontRef>
+        </p:style>
+        <p:txBody>
+          <a:bodyPr rtlCol="0" anchor="ctr"/>
+          <a:lstStyle/>
+          <a:p>
+            <a:pPr algn="ctr"/>
+            <a:endParaRPr lang="en-US"/>
+          </a:p>
+        </p:txBody>
+      </p:sp>
+      <p:pic>
+        <p:nvPicPr>
+          <p:cNvPr id="5" name="Picture 2" descr="Software-Defined Networking (SDN) / Network Functions Virtualisation (NFV)  Security">
+            <a:extLst>
+              <a:ext uri="{FF2B5EF4-FFF2-40B4-BE49-F238E27FC236}">
+                <a16:creationId xmlns:a16="http://schemas.microsoft.com/office/drawing/2014/main" id="{1275CF25-3AE3-4C4B-92FF-3AD2774F5E02}"/>
+              </a:ext>
+            </a:extLst>
+          </p:cNvPr>
+          <p:cNvPicPr>
+            <a:picLocks noChangeAspect="1" noChangeArrowheads="1"/>
+          </p:cNvPicPr>
+          <p:nvPr/>
+        </p:nvPicPr>
+        <p:blipFill>
+          <a:blip r:embed="rId2">
+            <a:extLst>
+              <a:ext uri="{28A0092B-C50C-407E-A947-70E740481C1C}">
+                <a14:useLocalDpi xmlns:a14="http://schemas.microsoft.com/office/drawing/2010/main" val="0"/>
+              </a:ext>
+            </a:extLst>
+          </a:blip>
+          <a:stretch>
+            <a:fillRect/>
+          </a:stretch>
+        </p:blipFill>
+        <p:spPr bwMode="auto">
+          <a:xfrm>
+            <a:off x="5848350" y="2518894"/>
+            <a:ext cx="5890683" cy="1973378"/>
+          </a:xfrm>
+          <a:prstGeom prst="rect">
+            <a:avLst/>
+          </a:prstGeom>
+          <a:noFill/>
+          <a:extLst>
+            <a:ext uri="{909E8E84-426E-40DD-AFC4-6F175D3DCCD1}">
+              <a14:hiddenFill xmlns:a14="http://schemas.microsoft.com/office/drawing/2010/main">
+                <a:solidFill>
+                  <a:srgbClr val="FFFFFF"/>
+                </a:solidFill>
+              </a14:hiddenFill>
+            </a:ext>
+          </a:extLst>
+        </p:spPr>
+      </p:pic>
+      <p:sp>
+        <p:nvSpPr>
+          <p:cNvPr id="12" name="Freeform: Shape 11">
+            <a:extLst>
+              <a:ext uri="{FF2B5EF4-FFF2-40B4-BE49-F238E27FC236}">
+                <a16:creationId xmlns:a16="http://schemas.microsoft.com/office/drawing/2014/main" id="{5A55B759-31A7-423C-9BC2-A8BC09FE98B9}"/>
+              </a:ext>
+              <a:ext uri="{C183D7F6-B498-43B3-948B-1728B52AA6E4}">
+                <adec:decorative xmlns:adec="http://schemas.microsoft.com/office/drawing/2017/decorative" val="1"/>
+              </a:ext>
+            </a:extLst>
+          </p:cNvPr>
+          <p:cNvSpPr>
+            <a:spLocks noGrp="1" noRot="1" noChangeAspect="1" noMove="1" noResize="1" noEditPoints="1" noAdjustHandles="1" noChangeArrowheads="1" noChangeShapeType="1" noTextEdit="1"/>
+          </p:cNvSpPr>
+          <p:nvPr>
+            <p:extLst>
+              <p:ext uri="{386F3935-93C4-4BCD-93E2-E3B085C9AB24}">
+                <p16:designElem xmlns:p16="http://schemas.microsoft.com/office/powerpoint/2015/main" val="1"/>
+              </p:ext>
+            </p:extLst>
+          </p:nvPr>
+        </p:nvSpPr>
+        <p:spPr>
+          <a:xfrm flipV="1">
+            <a:off x="0" y="-478"/>
+            <a:ext cx="6754318" cy="6858478"/>
+          </a:xfrm>
+          <a:custGeom>
+            <a:avLst/>
+            <a:gdLst>
+              <a:gd name="connsiteX0" fmla="*/ 0 w 6754318"/>
+              <a:gd name="connsiteY0" fmla="*/ 6858478 h 6858478"/>
+              <a:gd name="connsiteX1" fmla="*/ 6754318 w 6754318"/>
+              <a:gd name="connsiteY1" fmla="*/ 6858478 h 6858478"/>
+              <a:gd name="connsiteX2" fmla="*/ 3577943 w 6754318"/>
+              <a:gd name="connsiteY2" fmla="*/ 0 h 6858478"/>
+              <a:gd name="connsiteX3" fmla="*/ 3572366 w 6754318"/>
+              <a:gd name="connsiteY3" fmla="*/ 0 h 6858478"/>
+              <a:gd name="connsiteX4" fmla="*/ 2506138 w 6754318"/>
+              <a:gd name="connsiteY4" fmla="*/ 0 h 6858478"/>
+              <a:gd name="connsiteX5" fmla="*/ 0 w 6754318"/>
+              <a:gd name="connsiteY5" fmla="*/ 0 h 6858478"/>
+            </a:gdLst>
+            <a:ahLst/>
+            <a:cxnLst>
+              <a:cxn ang="0">
+                <a:pos x="connsiteX0" y="connsiteY0"/>
+              </a:cxn>
+              <a:cxn ang="0">
+                <a:pos x="connsiteX1" y="connsiteY1"/>
+              </a:cxn>
+              <a:cxn ang="0">
+                <a:pos x="connsiteX2" y="connsiteY2"/>
+              </a:cxn>
+              <a:cxn ang="0">
+                <a:pos x="connsiteX3" y="connsiteY3"/>
+              </a:cxn>
+              <a:cxn ang="0">
+                <a:pos x="connsiteX4" y="connsiteY4"/>
+              </a:cxn>
+              <a:cxn ang="0">
+                <a:pos x="connsiteX5" y="connsiteY5"/>
+              </a:cxn>
+            </a:cxnLst>
+            <a:rect l="l" t="t" r="r" b="b"/>
+            <a:pathLst>
+              <a:path w="6754318" h="6858478">
+                <a:moveTo>
+                  <a:pt x="0" y="6858478"/>
+                </a:moveTo>
+                <a:lnTo>
+                  <a:pt x="6754318" y="6858478"/>
+                </a:lnTo>
+                <a:lnTo>
+                  <a:pt x="3577943" y="0"/>
+                </a:lnTo>
+                <a:lnTo>
+                  <a:pt x="3572366" y="0"/>
+                </a:lnTo>
+                <a:lnTo>
+                  <a:pt x="2506138" y="0"/>
+                </a:lnTo>
+                <a:lnTo>
+                  <a:pt x="0" y="0"/>
+                </a:lnTo>
+                <a:close/>
+              </a:path>
+            </a:pathLst>
+          </a:custGeom>
+          <a:solidFill>
+            <a:schemeClr val="bg1">
+              <a:lumMod val="85000"/>
+              <a:lumOff val="15000"/>
+              <a:alpha val="70000"/>
+            </a:schemeClr>
+          </a:solidFill>
+          <a:ln>
+            <a:noFill/>
+          </a:ln>
+        </p:spPr>
+        <p:style>
+          <a:lnRef idx="2">
+            <a:schemeClr val="accent1">
+              <a:shade val="50000"/>
+            </a:schemeClr>
+          </a:lnRef>
+          <a:fillRef idx="1">
+            <a:schemeClr val="accent1"/>
+          </a:fillRef>
+          <a:effectRef idx="0">
+            <a:schemeClr val="accent1"/>
+          </a:effectRef>
+          <a:fontRef idx="minor">
+            <a:schemeClr val="lt1"/>
+          </a:fontRef>
+        </p:style>
+        <p:txBody>
+          <a:bodyPr wrap="square" rtlCol="0" anchor="ctr">
+            <a:noAutofit/>
+          </a:bodyPr>
+          <a:lstStyle/>
+          <a:p>
+            <a:pPr marL="0" marR="0" lvl="0" indent="0" algn="ctr" defTabSz="914400" rtl="0" eaLnBrk="1" fontAlgn="auto" latinLnBrk="0" hangingPunct="1">
+              <a:lnSpc>
+                <a:spcPct val="100000"/>
+              </a:lnSpc>
+              <a:spcBef>
+                <a:spcPts val="0"/>
+              </a:spcBef>
+              <a:spcAft>
+                <a:spcPts val="0"/>
+              </a:spcAft>
+              <a:buClrTx/>
+              <a:buSzTx/>
+              <a:buFontTx/>
+              <a:buNone/>
+              <a:tabLst/>
+              <a:defRPr/>
+            </a:pPr>
+            <a:endParaRPr kumimoji="0" lang="en-US" sz="1800" b="0" i="0" u="none" strike="noStrike" kern="1200" cap="none" spc="0" normalizeH="0" baseline="0" noProof="0">
+              <a:ln>
+                <a:noFill/>
+              </a:ln>
+              <a:solidFill>
+                <a:prstClr val="white"/>
+              </a:solidFill>
+              <a:effectLst/>
+              <a:uLnTx/>
+              <a:uFillTx/>
+              <a:latin typeface="Calibri" panose="020F0502020204030204"/>
+              <a:ea typeface="+mn-ea"/>
+              <a:cs typeface="+mn-cs"/>
+            </a:endParaRPr>
+          </a:p>
+        </p:txBody>
+      </p:sp>
+      <p:sp>
+        <p:nvSpPr>
+          <p:cNvPr id="14" name="Freeform: Shape 13">
+            <a:extLst>
+              <a:ext uri="{FF2B5EF4-FFF2-40B4-BE49-F238E27FC236}">
+                <a16:creationId xmlns:a16="http://schemas.microsoft.com/office/drawing/2014/main" id="{F78796AF-79A0-47AC-BEFD-BFFC00F968C4}"/>
+              </a:ext>
+              <a:ext uri="{C183D7F6-B498-43B3-948B-1728B52AA6E4}">
+                <adec:decorative xmlns:adec="http://schemas.microsoft.com/office/drawing/2017/decorative" val="1"/>
+              </a:ext>
+            </a:extLst>
+          </p:cNvPr>
+          <p:cNvSpPr>
+            <a:spLocks noGrp="1" noRot="1" noChangeAspect="1" noMove="1" noResize="1" noEditPoints="1" noAdjustHandles="1" noChangeArrowheads="1" noChangeShapeType="1" noTextEdit="1"/>
+          </p:cNvSpPr>
+          <p:nvPr>
+            <p:extLst>
+              <p:ext uri="{386F3935-93C4-4BCD-93E2-E3B085C9AB24}">
+                <p16:designElem xmlns:p16="http://schemas.microsoft.com/office/powerpoint/2015/main" val="1"/>
+              </p:ext>
+            </p:extLst>
+          </p:nvPr>
+        </p:nvSpPr>
+        <p:spPr>
+          <a:xfrm flipV="1">
+            <a:off x="1" y="-478"/>
+            <a:ext cx="5953780" cy="6858478"/>
+          </a:xfrm>
+          <a:custGeom>
+            <a:avLst/>
+            <a:gdLst>
+              <a:gd name="connsiteX0" fmla="*/ 0 w 5953780"/>
+              <a:gd name="connsiteY0" fmla="*/ 6858478 h 6858478"/>
+              <a:gd name="connsiteX1" fmla="*/ 5953780 w 5953780"/>
+              <a:gd name="connsiteY1" fmla="*/ 6858478 h 6858478"/>
+              <a:gd name="connsiteX2" fmla="*/ 2777405 w 5953780"/>
+              <a:gd name="connsiteY2" fmla="*/ 0 h 6858478"/>
+              <a:gd name="connsiteX3" fmla="*/ 2771828 w 5953780"/>
+              <a:gd name="connsiteY3" fmla="*/ 0 h 6858478"/>
+              <a:gd name="connsiteX4" fmla="*/ 1705600 w 5953780"/>
+              <a:gd name="connsiteY4" fmla="*/ 0 h 6858478"/>
+              <a:gd name="connsiteX5" fmla="*/ 0 w 5953780"/>
+              <a:gd name="connsiteY5" fmla="*/ 0 h 6858478"/>
+            </a:gdLst>
+            <a:ahLst/>
+            <a:cxnLst>
+              <a:cxn ang="0">
+                <a:pos x="connsiteX0" y="connsiteY0"/>
+              </a:cxn>
+              <a:cxn ang="0">
+                <a:pos x="connsiteX1" y="connsiteY1"/>
+              </a:cxn>
+              <a:cxn ang="0">
+                <a:pos x="connsiteX2" y="connsiteY2"/>
+              </a:cxn>
+              <a:cxn ang="0">
+                <a:pos x="connsiteX3" y="connsiteY3"/>
+              </a:cxn>
+              <a:cxn ang="0">
+                <a:pos x="connsiteX4" y="connsiteY4"/>
+              </a:cxn>
+              <a:cxn ang="0">
+                <a:pos x="connsiteX5" y="connsiteY5"/>
+              </a:cxn>
+            </a:cxnLst>
+            <a:rect l="l" t="t" r="r" b="b"/>
+            <a:pathLst>
+              <a:path w="5953780" h="6858478">
+                <a:moveTo>
+                  <a:pt x="0" y="6858478"/>
+                </a:moveTo>
+                <a:lnTo>
+                  <a:pt x="5953780" y="6858478"/>
+                </a:lnTo>
+                <a:lnTo>
+                  <a:pt x="2777405" y="0"/>
+                </a:lnTo>
+                <a:lnTo>
+                  <a:pt x="2771828" y="0"/>
+                </a:lnTo>
+                <a:lnTo>
+                  <a:pt x="1705600" y="0"/>
+                </a:lnTo>
+                <a:lnTo>
+                  <a:pt x="0" y="0"/>
+                </a:lnTo>
+                <a:close/>
+              </a:path>
+            </a:pathLst>
+          </a:custGeom>
+          <a:solidFill>
+            <a:schemeClr val="bg1">
+              <a:lumMod val="85000"/>
+              <a:lumOff val="15000"/>
+            </a:schemeClr>
+          </a:solidFill>
+          <a:ln>
+            <a:noFill/>
+          </a:ln>
+        </p:spPr>
+        <p:style>
+          <a:lnRef idx="2">
+            <a:schemeClr val="accent1">
+              <a:shade val="50000"/>
+            </a:schemeClr>
+          </a:lnRef>
+          <a:fillRef idx="1">
+            <a:schemeClr val="accent1"/>
+          </a:fillRef>
+          <a:effectRef idx="0">
+            <a:schemeClr val="accent1"/>
+          </a:effectRef>
+          <a:fontRef idx="minor">
+            <a:schemeClr val="lt1"/>
+          </a:fontRef>
+        </p:style>
+        <p:txBody>
+          <a:bodyPr wrap="square" rtlCol="0" anchor="ctr">
+            <a:noAutofit/>
+          </a:bodyPr>
+          <a:lstStyle/>
+          <a:p>
+            <a:pPr marL="0" marR="0" lvl="0" indent="0" algn="ctr" defTabSz="914400" rtl="0" eaLnBrk="1" fontAlgn="auto" latinLnBrk="0" hangingPunct="1">
+              <a:lnSpc>
+                <a:spcPct val="100000"/>
+              </a:lnSpc>
+              <a:spcBef>
+                <a:spcPts val="0"/>
+              </a:spcBef>
+              <a:spcAft>
+                <a:spcPts val="0"/>
+              </a:spcAft>
+              <a:buClrTx/>
+              <a:buSzTx/>
+              <a:buFontTx/>
+              <a:buNone/>
+              <a:tabLst/>
+              <a:defRPr/>
+            </a:pPr>
+            <a:endParaRPr kumimoji="0" lang="en-US" sz="1800" b="0" i="0" u="none" strike="noStrike" kern="1200" cap="none" spc="0" normalizeH="0" baseline="0" noProof="0">
+              <a:ln>
+                <a:noFill/>
+              </a:ln>
+              <a:solidFill>
+                <a:prstClr val="white"/>
+              </a:solidFill>
+              <a:effectLst/>
+              <a:uLnTx/>
+              <a:uFillTx/>
+              <a:latin typeface="Calibri" panose="020F0502020204030204"/>
+              <a:ea typeface="+mn-ea"/>
+              <a:cs typeface="+mn-cs"/>
+            </a:endParaRPr>
+          </a:p>
+        </p:txBody>
+      </p:sp>
+      <p:sp>
+        <p:nvSpPr>
+          <p:cNvPr id="2" name="Title 1">
+            <a:extLst>
+              <a:ext uri="{FF2B5EF4-FFF2-40B4-BE49-F238E27FC236}">
+                <a16:creationId xmlns:a16="http://schemas.microsoft.com/office/drawing/2014/main" id="{97AB05B8-9DA5-4A66-863B-F9C4F1DC6D78}"/>
+              </a:ext>
+            </a:extLst>
+          </p:cNvPr>
+          <p:cNvSpPr>
+            <a:spLocks noGrp="1"/>
+          </p:cNvSpPr>
+          <p:nvPr>
+            <p:ph type="ctrTitle"/>
+          </p:nvPr>
+        </p:nvSpPr>
+        <p:spPr>
+          <a:xfrm>
+            <a:off x="804672" y="338328"/>
+            <a:ext cx="3877056" cy="2249424"/>
+          </a:xfrm>
+        </p:spPr>
+        <p:txBody>
+          <a:bodyPr anchor="b">
+            <a:normAutofit/>
+          </a:bodyPr>
+          <a:lstStyle/>
+          <a:p>
+            <a:pPr algn="l"/>
+            <a:r>
+              <a:rPr lang="it-IT" sz="5400" dirty="0"/>
+              <a:t>Tutorial 2</a:t>
+            </a:r>
+            <a:endParaRPr lang="en-US" sz="5400" dirty="0"/>
+          </a:p>
+        </p:txBody>
+      </p:sp>
+      <p:sp>
+        <p:nvSpPr>
+          <p:cNvPr id="3" name="Subtitle 2">
+            <a:extLst>
+              <a:ext uri="{FF2B5EF4-FFF2-40B4-BE49-F238E27FC236}">
+                <a16:creationId xmlns:a16="http://schemas.microsoft.com/office/drawing/2014/main" id="{6B64B1D8-42AC-4228-9A93-7E5EE3AE1CA1}"/>
+              </a:ext>
+            </a:extLst>
+          </p:cNvPr>
+          <p:cNvSpPr>
+            <a:spLocks noGrp="1"/>
+          </p:cNvSpPr>
+          <p:nvPr>
+            <p:ph type="subTitle" idx="1"/>
+          </p:nvPr>
+        </p:nvSpPr>
+        <p:spPr>
+          <a:xfrm>
+            <a:off x="804672" y="2724912"/>
+            <a:ext cx="3209544" cy="1155525"/>
+          </a:xfrm>
+        </p:spPr>
+        <p:txBody>
+          <a:bodyPr anchor="t">
+            <a:normAutofit/>
+          </a:bodyPr>
+          <a:lstStyle/>
+          <a:p>
+            <a:pPr algn="l"/>
+            <a:r>
+              <a:rPr lang="en-US" sz="2000" b="1" dirty="0">
+                <a:solidFill>
+                  <a:srgbClr val="FFFFFF"/>
+                </a:solidFill>
+              </a:rPr>
+              <a:t>COEN 352: Data structure and algorithm</a:t>
+            </a:r>
+            <a:endParaRPr lang="en-US" sz="2000" dirty="0"/>
+          </a:p>
+          <a:p>
+            <a:pPr algn="l"/>
+            <a:r>
+              <a:rPr lang="en-US" sz="2000" dirty="0"/>
+              <a:t>TA: Mohammed A. Shehab</a:t>
+            </a:r>
+          </a:p>
+        </p:txBody>
+      </p:sp>
+    </p:spTree>
+    <p:extLst>
+      <p:ext uri="{BB962C8B-B14F-4D97-AF65-F5344CB8AC3E}">
+        <p14:creationId xmlns:p14="http://schemas.microsoft.com/office/powerpoint/2010/main" val="1474576961"/>
+      </p:ext>
+    </p:extLst>
+  </p:cSld>
+  <p:clrMapOvr>
+    <a:overrideClrMapping bg1="dk1" tx1="lt1" bg2="dk2" tx2="lt2" accent1="accent1" accent2="accent2" accent3="accent3" accent4="accent4" accent5="accent5" accent6="accent6" hlink="hlink" folHlink="folHlink"/>
+  </p:clrMapOvr>
+</p:sld>
+</file>
+
+<file path=ppt/slides/slide3.xml><?xml version="1.0" encoding="utf-8"?>
+<p:sld xmlns:a="http://schemas.openxmlformats.org/drawingml/2006/main" xmlns:r="http://schemas.openxmlformats.org/officeDocument/2006/relationships" xmlns:p="http://schemas.openxmlformats.org/presentationml/2006/main">
+  <p:cSld>
+    <p:bg>
+      <p:bgPr>
+        <a:solidFill>
+          <a:schemeClr val="bg1"/>
+        </a:solidFill>
+        <a:effectLst/>
+      </p:bgPr>
+    </p:bg>
+    <p:spTree>
+      <p:nvGrpSpPr>
+        <p:cNvPr id="1" name=""/>
+        <p:cNvGrpSpPr/>
+        <p:nvPr/>
+      </p:nvGrpSpPr>
+      <p:grpSpPr>
+        <a:xfrm>
+          <a:off x="0" y="0"/>
+          <a:ext cx="0" cy="0"/>
+          <a:chOff x="0" y="0"/>
+          <a:chExt cx="0" cy="0"/>
+        </a:xfrm>
+      </p:grpSpPr>
       <p:sp useBgFill="1">
         <p:nvSpPr>
           <p:cNvPr id="8" name="Rectangle 7">
@@ -13071,7 +14187,7 @@
 </p:sld>
 </file>
 
-<file path=ppt/slides/slide3.xml><?xml version="1.0" encoding="utf-8"?>
+<file path=ppt/slides/slide4.xml><?xml version="1.0" encoding="utf-8"?>
 <p:sld xmlns:a="http://schemas.openxmlformats.org/drawingml/2006/main" xmlns:r="http://schemas.openxmlformats.org/officeDocument/2006/relationships" xmlns:p="http://schemas.openxmlformats.org/presentationml/2006/main">
   <p:cSld>
     <p:bg>
@@ -16260,7 +17376,7 @@
 </p:sld>
 </file>
 
-<file path=ppt/slides/slide4.xml><?xml version="1.0" encoding="utf-8"?>
+<file path=ppt/slides/slide5.xml><?xml version="1.0" encoding="utf-8"?>
 <p:sld xmlns:a="http://schemas.openxmlformats.org/drawingml/2006/main" xmlns:r="http://schemas.openxmlformats.org/officeDocument/2006/relationships" xmlns:p="http://schemas.openxmlformats.org/presentationml/2006/main">
   <p:cSld>
     <p:bg>
@@ -19584,7 +20700,7 @@
 </p:sld>
 </file>
 
-<file path=ppt/slides/slide5.xml><?xml version="1.0" encoding="utf-8"?>
+<file path=ppt/slides/slide6.xml><?xml version="1.0" encoding="utf-8"?>
 <p:sld xmlns:a="http://schemas.openxmlformats.org/drawingml/2006/main" xmlns:r="http://schemas.openxmlformats.org/officeDocument/2006/relationships" xmlns:p="http://schemas.openxmlformats.org/presentationml/2006/main">
   <p:cSld>
     <p:bg>
@@ -19768,7 +20884,7 @@
 </p:sld>
 </file>
 
-<file path=ppt/slides/slide6.xml><?xml version="1.0" encoding="utf-8"?>
+<file path=ppt/slides/slide7.xml><?xml version="1.0" encoding="utf-8"?>
 <p:sld xmlns:a="http://schemas.openxmlformats.org/drawingml/2006/main" xmlns:r="http://schemas.openxmlformats.org/officeDocument/2006/relationships" xmlns:p="http://schemas.openxmlformats.org/presentationml/2006/main">
   <p:cSld>
     <p:bg>
@@ -20771,7 +21887,7 @@
 </p:sld>
 </file>
 
-<file path=ppt/slides/slide7.xml><?xml version="1.0" encoding="utf-8"?>
+<file path=ppt/slides/slide8.xml><?xml version="1.0" encoding="utf-8"?>
 <p:sld xmlns:a="http://schemas.openxmlformats.org/drawingml/2006/main" xmlns:r="http://schemas.openxmlformats.org/officeDocument/2006/relationships" xmlns:p="http://schemas.openxmlformats.org/presentationml/2006/main">
   <p:cSld>
     <p:bg>
@@ -21447,7 +22563,7 @@
 </p:sld>
 </file>
 
-<file path=ppt/slides/slide8.xml><?xml version="1.0" encoding="utf-8"?>
+<file path=ppt/slides/slide9.xml><?xml version="1.0" encoding="utf-8"?>
 <p:sld xmlns:a="http://schemas.openxmlformats.org/drawingml/2006/main" xmlns:r="http://schemas.openxmlformats.org/officeDocument/2006/relationships" xmlns:p="http://schemas.openxmlformats.org/presentationml/2006/main">
   <p:cSld>
     <p:bg>
@@ -21608,871 +22724,6 @@
   <p:clrMapOvr>
     <a:masterClrMapping/>
   </p:clrMapOvr>
-</p:sld>
-</file>
-
-<file path=ppt/slides/slide9.xml><?xml version="1.0" encoding="utf-8"?>
-<p:sld xmlns:a="http://schemas.openxmlformats.org/drawingml/2006/main" xmlns:r="http://schemas.openxmlformats.org/officeDocument/2006/relationships" xmlns:p="http://schemas.openxmlformats.org/presentationml/2006/main">
-  <p:cSld>
-    <p:bg>
-      <p:bgPr>
-        <a:solidFill>
-          <a:schemeClr val="bg1"/>
-        </a:solidFill>
-        <a:effectLst/>
-      </p:bgPr>
-    </p:bg>
-    <p:spTree>
-      <p:nvGrpSpPr>
-        <p:cNvPr id="1" name=""/>
-        <p:cNvGrpSpPr/>
-        <p:nvPr/>
-      </p:nvGrpSpPr>
-      <p:grpSpPr>
-        <a:xfrm>
-          <a:off x="0" y="0"/>
-          <a:ext cx="0" cy="0"/>
-          <a:chOff x="0" y="0"/>
-          <a:chExt cx="0" cy="0"/>
-        </a:xfrm>
-      </p:grpSpPr>
-      <p:sp useBgFill="1">
-        <p:nvSpPr>
-          <p:cNvPr id="19" name="Rectangle 7">
-            <a:extLst>
-              <a:ext uri="{FF2B5EF4-FFF2-40B4-BE49-F238E27FC236}">
-                <a16:creationId xmlns:a16="http://schemas.microsoft.com/office/drawing/2014/main" id="{827B839B-9ADE-406B-8590-F1CAEDED45A1}"/>
-              </a:ext>
-              <a:ext uri="{C183D7F6-B498-43B3-948B-1728B52AA6E4}">
-                <adec:decorative xmlns:adec="http://schemas.microsoft.com/office/drawing/2017/decorative" val="1"/>
-              </a:ext>
-            </a:extLst>
-          </p:cNvPr>
-          <p:cNvSpPr>
-            <a:spLocks noGrp="1" noRot="1" noChangeAspect="1" noMove="1" noResize="1" noEditPoints="1" noAdjustHandles="1" noChangeArrowheads="1" noChangeShapeType="1" noTextEdit="1"/>
-          </p:cNvSpPr>
-          <p:nvPr>
-            <p:extLst>
-              <p:ext uri="{386F3935-93C4-4BCD-93E2-E3B085C9AB24}">
-                <p16:designElem xmlns:p16="http://schemas.microsoft.com/office/powerpoint/2015/main" val="1"/>
-              </p:ext>
-            </p:extLst>
-          </p:nvPr>
-        </p:nvSpPr>
-        <p:spPr>
-          <a:xfrm>
-            <a:off x="0" y="0"/>
-            <a:ext cx="12188952" cy="6858000"/>
-          </a:xfrm>
-          <a:prstGeom prst="rect">
-            <a:avLst/>
-          </a:prstGeom>
-          <a:ln>
-            <a:noFill/>
-          </a:ln>
-        </p:spPr>
-        <p:style>
-          <a:lnRef idx="2">
-            <a:schemeClr val="accent1">
-              <a:shade val="50000"/>
-            </a:schemeClr>
-          </a:lnRef>
-          <a:fillRef idx="1">
-            <a:schemeClr val="accent1"/>
-          </a:fillRef>
-          <a:effectRef idx="0">
-            <a:schemeClr val="accent1"/>
-          </a:effectRef>
-          <a:fontRef idx="minor">
-            <a:schemeClr val="lt1"/>
-          </a:fontRef>
-        </p:style>
-        <p:txBody>
-          <a:bodyPr rtlCol="0" anchor="ctr"/>
-          <a:lstStyle/>
-          <a:p>
-            <a:pPr algn="ctr"/>
-            <a:endParaRPr lang="en-US"/>
-          </a:p>
-        </p:txBody>
-      </p:sp>
-      <p:sp>
-        <p:nvSpPr>
-          <p:cNvPr id="20" name="Freeform 45">
-            <a:extLst>
-              <a:ext uri="{FF2B5EF4-FFF2-40B4-BE49-F238E27FC236}">
-                <a16:creationId xmlns:a16="http://schemas.microsoft.com/office/drawing/2014/main" id="{CFE45BF0-46DB-408C-B5F7-7B11716805D4}"/>
-              </a:ext>
-              <a:ext uri="{C183D7F6-B498-43B3-948B-1728B52AA6E4}">
-                <adec:decorative xmlns:adec="http://schemas.microsoft.com/office/drawing/2017/decorative" val="1"/>
-              </a:ext>
-            </a:extLst>
-          </p:cNvPr>
-          <p:cNvSpPr>
-            <a:spLocks noGrp="1" noRot="1" noChangeAspect="1" noMove="1" noResize="1" noEditPoints="1" noAdjustHandles="1" noChangeArrowheads="1" noChangeShapeType="1" noTextEdit="1"/>
-          </p:cNvSpPr>
-          <p:nvPr>
-            <p:extLst>
-              <p:ext uri="{386F3935-93C4-4BCD-93E2-E3B085C9AB24}">
-                <p16:designElem xmlns:p16="http://schemas.microsoft.com/office/powerpoint/2015/main" val="1"/>
-              </p:ext>
-            </p:extLst>
-          </p:nvPr>
-        </p:nvSpPr>
-        <p:spPr bwMode="auto">
-          <a:xfrm>
-            <a:off x="409710" y="1022350"/>
-            <a:ext cx="709612" cy="2095501"/>
-          </a:xfrm>
-          <a:custGeom>
-            <a:avLst/>
-            <a:gdLst>
-              <a:gd name="T0" fmla="*/ 447 w 447"/>
-              <a:gd name="T1" fmla="*/ 1363 h 1363"/>
-              <a:gd name="T2" fmla="*/ 0 w 447"/>
-              <a:gd name="T3" fmla="*/ 987 h 1363"/>
-              <a:gd name="T4" fmla="*/ 0 w 447"/>
-              <a:gd name="T5" fmla="*/ 0 h 1363"/>
-              <a:gd name="T6" fmla="*/ 447 w 447"/>
-              <a:gd name="T7" fmla="*/ 376 h 1363"/>
-              <a:gd name="T8" fmla="*/ 447 w 447"/>
-              <a:gd name="T9" fmla="*/ 1363 h 1363"/>
-            </a:gdLst>
-            <a:ahLst/>
-            <a:cxnLst>
-              <a:cxn ang="0">
-                <a:pos x="T0" y="T1"/>
-              </a:cxn>
-              <a:cxn ang="0">
-                <a:pos x="T2" y="T3"/>
-              </a:cxn>
-              <a:cxn ang="0">
-                <a:pos x="T4" y="T5"/>
-              </a:cxn>
-              <a:cxn ang="0">
-                <a:pos x="T6" y="T7"/>
-              </a:cxn>
-              <a:cxn ang="0">
-                <a:pos x="T8" y="T9"/>
-              </a:cxn>
-            </a:cxnLst>
-            <a:rect l="0" t="0" r="r" b="b"/>
-            <a:pathLst>
-              <a:path w="447" h="1363">
-                <a:moveTo>
-                  <a:pt x="447" y="1363"/>
-                </a:moveTo>
-                <a:lnTo>
-                  <a:pt x="0" y="987"/>
-                </a:lnTo>
-                <a:lnTo>
-                  <a:pt x="0" y="0"/>
-                </a:lnTo>
-                <a:lnTo>
-                  <a:pt x="447" y="376"/>
-                </a:lnTo>
-                <a:lnTo>
-                  <a:pt x="447" y="1363"/>
-                </a:lnTo>
-                <a:close/>
-              </a:path>
-            </a:pathLst>
-          </a:custGeom>
-          <a:solidFill>
-            <a:schemeClr val="accent1">
-              <a:lumMod val="50000"/>
-            </a:schemeClr>
-          </a:solidFill>
-          <a:ln>
-            <a:noFill/>
-          </a:ln>
-        </p:spPr>
-        <p:txBody>
-          <a:bodyPr vert="horz" wrap="square" lIns="91440" tIns="45720" rIns="91440" bIns="45720" numCol="1" anchor="t" anchorCtr="0" compatLnSpc="1">
-            <a:prstTxWarp prst="textNoShape">
-              <a:avLst/>
-            </a:prstTxWarp>
-          </a:bodyPr>
-          <a:lstStyle/>
-          <a:p>
-            <a:endParaRPr lang="en-US"/>
-          </a:p>
-        </p:txBody>
-      </p:sp>
-      <p:sp>
-        <p:nvSpPr>
-          <p:cNvPr id="21" name="Freeform 46">
-            <a:extLst>
-              <a:ext uri="{FF2B5EF4-FFF2-40B4-BE49-F238E27FC236}">
-                <a16:creationId xmlns:a16="http://schemas.microsoft.com/office/drawing/2014/main" id="{2AEBC8F2-97B1-41B4-93F1-2D289E197FBA}"/>
-              </a:ext>
-              <a:ext uri="{C183D7F6-B498-43B3-948B-1728B52AA6E4}">
-                <adec:decorative xmlns:adec="http://schemas.microsoft.com/office/drawing/2017/decorative" val="1"/>
-              </a:ext>
-            </a:extLst>
-          </p:cNvPr>
-          <p:cNvSpPr>
-            <a:spLocks noGrp="1" noRot="1" noChangeAspect="1" noMove="1" noResize="1" noEditPoints="1" noAdjustHandles="1" noChangeArrowheads="1" noChangeShapeType="1" noTextEdit="1"/>
-          </p:cNvSpPr>
-          <p:nvPr>
-            <p:extLst>
-              <p:ext uri="{386F3935-93C4-4BCD-93E2-E3B085C9AB24}">
-                <p16:designElem xmlns:p16="http://schemas.microsoft.com/office/powerpoint/2015/main" val="1"/>
-              </p:ext>
-            </p:extLst>
-          </p:nvPr>
-        </p:nvSpPr>
-        <p:spPr bwMode="auto">
-          <a:xfrm>
-            <a:off x="409710" y="837744"/>
-            <a:ext cx="403225" cy="1705431"/>
-          </a:xfrm>
-          <a:custGeom>
-            <a:avLst/>
-            <a:gdLst>
-              <a:gd name="T0" fmla="*/ 254 w 254"/>
-              <a:gd name="T1" fmla="*/ 987 h 1109"/>
-              <a:gd name="T2" fmla="*/ 0 w 254"/>
-              <a:gd name="T3" fmla="*/ 1109 h 1109"/>
-              <a:gd name="T4" fmla="*/ 0 w 254"/>
-              <a:gd name="T5" fmla="*/ 119 h 1109"/>
-              <a:gd name="T6" fmla="*/ 254 w 254"/>
-              <a:gd name="T7" fmla="*/ 0 h 1109"/>
-              <a:gd name="T8" fmla="*/ 254 w 254"/>
-              <a:gd name="T9" fmla="*/ 987 h 1109"/>
-            </a:gdLst>
-            <a:ahLst/>
-            <a:cxnLst>
-              <a:cxn ang="0">
-                <a:pos x="T0" y="T1"/>
-              </a:cxn>
-              <a:cxn ang="0">
-                <a:pos x="T2" y="T3"/>
-              </a:cxn>
-              <a:cxn ang="0">
-                <a:pos x="T4" y="T5"/>
-              </a:cxn>
-              <a:cxn ang="0">
-                <a:pos x="T6" y="T7"/>
-              </a:cxn>
-              <a:cxn ang="0">
-                <a:pos x="T8" y="T9"/>
-              </a:cxn>
-            </a:cxnLst>
-            <a:rect l="0" t="0" r="r" b="b"/>
-            <a:pathLst>
-              <a:path w="254" h="1109">
-                <a:moveTo>
-                  <a:pt x="254" y="987"/>
-                </a:moveTo>
-                <a:lnTo>
-                  <a:pt x="0" y="1109"/>
-                </a:lnTo>
-                <a:lnTo>
-                  <a:pt x="0" y="119"/>
-                </a:lnTo>
-                <a:lnTo>
-                  <a:pt x="254" y="0"/>
-                </a:lnTo>
-                <a:lnTo>
-                  <a:pt x="254" y="987"/>
-                </a:lnTo>
-                <a:close/>
-              </a:path>
-            </a:pathLst>
-          </a:custGeom>
-          <a:solidFill>
-            <a:schemeClr val="accent1">
-              <a:lumMod val="75000"/>
-            </a:schemeClr>
-          </a:solidFill>
-          <a:ln>
-            <a:noFill/>
-          </a:ln>
-        </p:spPr>
-        <p:txBody>
-          <a:bodyPr vert="horz" wrap="square" lIns="91440" tIns="45720" rIns="91440" bIns="45720" numCol="1" anchor="t" anchorCtr="0" compatLnSpc="1">
-            <a:prstTxWarp prst="textNoShape">
-              <a:avLst/>
-            </a:prstTxWarp>
-          </a:bodyPr>
-          <a:lstStyle/>
-          <a:p>
-            <a:endParaRPr lang="en-US"/>
-          </a:p>
-        </p:txBody>
-      </p:sp>
-      <p:sp>
-        <p:nvSpPr>
-          <p:cNvPr id="22" name="Freeform 47">
-            <a:extLst>
-              <a:ext uri="{FF2B5EF4-FFF2-40B4-BE49-F238E27FC236}">
-                <a16:creationId xmlns:a16="http://schemas.microsoft.com/office/drawing/2014/main" id="{472E3A19-F5D5-48FC-BB9C-48C2F68F598B}"/>
-              </a:ext>
-              <a:ext uri="{C183D7F6-B498-43B3-948B-1728B52AA6E4}">
-                <adec:decorative xmlns:adec="http://schemas.microsoft.com/office/drawing/2017/decorative" val="1"/>
-              </a:ext>
-            </a:extLst>
-          </p:cNvPr>
-          <p:cNvSpPr>
-            <a:spLocks noGrp="1" noRot="1" noChangeAspect="1" noMove="1" noResize="1" noEditPoints="1" noAdjustHandles="1" noChangeArrowheads="1" noChangeShapeType="1" noTextEdit="1"/>
-          </p:cNvSpPr>
-          <p:nvPr>
-            <p:extLst>
-              <p:ext uri="{386F3935-93C4-4BCD-93E2-E3B085C9AB24}">
-                <p16:designElem xmlns:p16="http://schemas.microsoft.com/office/powerpoint/2015/main" val="1"/>
-              </p:ext>
-            </p:extLst>
-          </p:nvPr>
-        </p:nvSpPr>
-        <p:spPr bwMode="auto">
-          <a:xfrm>
-            <a:off x="644660" y="640894"/>
-            <a:ext cx="168275" cy="1713195"/>
-          </a:xfrm>
-          <a:custGeom>
-            <a:avLst/>
-            <a:gdLst>
-              <a:gd name="T0" fmla="*/ 106 w 106"/>
-              <a:gd name="T1" fmla="*/ 1114 h 1114"/>
-              <a:gd name="T2" fmla="*/ 0 w 106"/>
-              <a:gd name="T3" fmla="*/ 1005 h 1114"/>
-              <a:gd name="T4" fmla="*/ 0 w 106"/>
-              <a:gd name="T5" fmla="*/ 0 h 1114"/>
-              <a:gd name="T6" fmla="*/ 106 w 106"/>
-              <a:gd name="T7" fmla="*/ 110 h 1114"/>
-              <a:gd name="T8" fmla="*/ 106 w 106"/>
-              <a:gd name="T9" fmla="*/ 1114 h 1114"/>
-            </a:gdLst>
-            <a:ahLst/>
-            <a:cxnLst>
-              <a:cxn ang="0">
-                <a:pos x="T0" y="T1"/>
-              </a:cxn>
-              <a:cxn ang="0">
-                <a:pos x="T2" y="T3"/>
-              </a:cxn>
-              <a:cxn ang="0">
-                <a:pos x="T4" y="T5"/>
-              </a:cxn>
-              <a:cxn ang="0">
-                <a:pos x="T6" y="T7"/>
-              </a:cxn>
-              <a:cxn ang="0">
-                <a:pos x="T8" y="T9"/>
-              </a:cxn>
-            </a:cxnLst>
-            <a:rect l="0" t="0" r="r" b="b"/>
-            <a:pathLst>
-              <a:path w="106" h="1114">
-                <a:moveTo>
-                  <a:pt x="106" y="1114"/>
-                </a:moveTo>
-                <a:lnTo>
-                  <a:pt x="0" y="1005"/>
-                </a:lnTo>
-                <a:lnTo>
-                  <a:pt x="0" y="0"/>
-                </a:lnTo>
-                <a:lnTo>
-                  <a:pt x="106" y="110"/>
-                </a:lnTo>
-                <a:lnTo>
-                  <a:pt x="106" y="1114"/>
-                </a:lnTo>
-                <a:close/>
-              </a:path>
-            </a:pathLst>
-          </a:custGeom>
-          <a:solidFill>
-            <a:schemeClr val="accent1">
-              <a:lumMod val="50000"/>
-            </a:schemeClr>
-          </a:solidFill>
-          <a:ln>
-            <a:noFill/>
-          </a:ln>
-        </p:spPr>
-        <p:txBody>
-          <a:bodyPr vert="horz" wrap="square" lIns="91440" tIns="45720" rIns="91440" bIns="45720" numCol="1" anchor="t" anchorCtr="0" compatLnSpc="1">
-            <a:prstTxWarp prst="textNoShape">
-              <a:avLst/>
-            </a:prstTxWarp>
-          </a:bodyPr>
-          <a:lstStyle/>
-          <a:p>
-            <a:endParaRPr lang="en-US"/>
-          </a:p>
-        </p:txBody>
-      </p:sp>
-      <p:sp>
-        <p:nvSpPr>
-          <p:cNvPr id="23" name="Freeform 44">
-            <a:extLst>
-              <a:ext uri="{FF2B5EF4-FFF2-40B4-BE49-F238E27FC236}">
-                <a16:creationId xmlns:a16="http://schemas.microsoft.com/office/drawing/2014/main" id="{7A62E32F-BB65-43A8-8EB5-92346890E549}"/>
-              </a:ext>
-              <a:ext uri="{C183D7F6-B498-43B3-948B-1728B52AA6E4}">
-                <adec:decorative xmlns:adec="http://schemas.microsoft.com/office/drawing/2017/decorative" val="1"/>
-              </a:ext>
-            </a:extLst>
-          </p:cNvPr>
-          <p:cNvSpPr>
-            <a:spLocks noGrp="1" noRot="1" noChangeAspect="1" noMove="1" noResize="1" noEditPoints="1" noAdjustHandles="1" noChangeArrowheads="1" noChangeShapeType="1" noTextEdit="1"/>
-          </p:cNvSpPr>
-          <p:nvPr>
-            <p:extLst>
-              <p:ext uri="{386F3935-93C4-4BCD-93E2-E3B085C9AB24}">
-                <p16:designElem xmlns:p16="http://schemas.microsoft.com/office/powerpoint/2015/main" val="1"/>
-              </p:ext>
-            </p:extLst>
-          </p:nvPr>
-        </p:nvSpPr>
-        <p:spPr bwMode="auto">
-          <a:xfrm>
-            <a:off x="11223203" y="635716"/>
-            <a:ext cx="328612" cy="1742360"/>
-          </a:xfrm>
-          <a:custGeom>
-            <a:avLst/>
-            <a:gdLst>
-              <a:gd name="T0" fmla="*/ 207 w 207"/>
-              <a:gd name="T1" fmla="*/ 987 h 1114"/>
-              <a:gd name="T2" fmla="*/ 0 w 207"/>
-              <a:gd name="T3" fmla="*/ 1114 h 1114"/>
-              <a:gd name="T4" fmla="*/ 0 w 207"/>
-              <a:gd name="T5" fmla="*/ 127 h 1114"/>
-              <a:gd name="T6" fmla="*/ 207 w 207"/>
-              <a:gd name="T7" fmla="*/ 0 h 1114"/>
-              <a:gd name="T8" fmla="*/ 207 w 207"/>
-              <a:gd name="T9" fmla="*/ 987 h 1114"/>
-            </a:gdLst>
-            <a:ahLst/>
-            <a:cxnLst>
-              <a:cxn ang="0">
-                <a:pos x="T0" y="T1"/>
-              </a:cxn>
-              <a:cxn ang="0">
-                <a:pos x="T2" y="T3"/>
-              </a:cxn>
-              <a:cxn ang="0">
-                <a:pos x="T4" y="T5"/>
-              </a:cxn>
-              <a:cxn ang="0">
-                <a:pos x="T6" y="T7"/>
-              </a:cxn>
-              <a:cxn ang="0">
-                <a:pos x="T8" y="T9"/>
-              </a:cxn>
-            </a:cxnLst>
-            <a:rect l="0" t="0" r="r" b="b"/>
-            <a:pathLst>
-              <a:path w="207" h="1114">
-                <a:moveTo>
-                  <a:pt x="207" y="987"/>
-                </a:moveTo>
-                <a:lnTo>
-                  <a:pt x="0" y="1114"/>
-                </a:lnTo>
-                <a:lnTo>
-                  <a:pt x="0" y="127"/>
-                </a:lnTo>
-                <a:lnTo>
-                  <a:pt x="207" y="0"/>
-                </a:lnTo>
-                <a:lnTo>
-                  <a:pt x="207" y="987"/>
-                </a:lnTo>
-                <a:close/>
-              </a:path>
-            </a:pathLst>
-          </a:custGeom>
-          <a:solidFill>
-            <a:schemeClr val="accent1">
-              <a:lumMod val="50000"/>
-            </a:schemeClr>
-          </a:solidFill>
-          <a:ln>
-            <a:noFill/>
-          </a:ln>
-        </p:spPr>
-        <p:txBody>
-          <a:bodyPr vert="horz" wrap="square" lIns="91440" tIns="45720" rIns="91440" bIns="45720" numCol="1" anchor="t" anchorCtr="0" compatLnSpc="1">
-            <a:prstTxWarp prst="textNoShape">
-              <a:avLst/>
-            </a:prstTxWarp>
-          </a:bodyPr>
-          <a:lstStyle/>
-          <a:p>
-            <a:endParaRPr lang="en-US"/>
-          </a:p>
-        </p:txBody>
-      </p:sp>
-      <p:sp>
-        <p:nvSpPr>
-          <p:cNvPr id="18" name="Rectangle 17">
-            <a:extLst>
-              <a:ext uri="{FF2B5EF4-FFF2-40B4-BE49-F238E27FC236}">
-                <a16:creationId xmlns:a16="http://schemas.microsoft.com/office/drawing/2014/main" id="{14E91B64-9FCC-451E-AFB4-A827D6329367}"/>
-              </a:ext>
-              <a:ext uri="{C183D7F6-B498-43B3-948B-1728B52AA6E4}">
-                <adec:decorative xmlns:adec="http://schemas.microsoft.com/office/drawing/2017/decorative" val="1"/>
-              </a:ext>
-            </a:extLst>
-          </p:cNvPr>
-          <p:cNvSpPr>
-            <a:spLocks noGrp="1" noRot="1" noChangeAspect="1" noMove="1" noResize="1" noEditPoints="1" noAdjustHandles="1" noChangeArrowheads="1" noChangeShapeType="1" noTextEdit="1"/>
-          </p:cNvSpPr>
-          <p:nvPr>
-            <p:extLst>
-              <p:ext uri="{386F3935-93C4-4BCD-93E2-E3B085C9AB24}">
-                <p16:designElem xmlns:p16="http://schemas.microsoft.com/office/powerpoint/2015/main" val="1"/>
-              </p:ext>
-            </p:extLst>
-          </p:nvPr>
-        </p:nvSpPr>
-        <p:spPr bwMode="auto">
-          <a:xfrm>
-            <a:off x="644055" y="635715"/>
-            <a:ext cx="10907863" cy="1541457"/>
-          </a:xfrm>
-          <a:prstGeom prst="rect">
-            <a:avLst/>
-          </a:prstGeom>
-          <a:solidFill>
-            <a:schemeClr val="accent1"/>
-          </a:solidFill>
-          <a:ln>
-            <a:noFill/>
-          </a:ln>
-        </p:spPr>
-        <p:txBody>
-          <a:bodyPr vert="horz" wrap="square" lIns="91440" tIns="45720" rIns="91440" bIns="45720" numCol="1" anchor="t" anchorCtr="0" compatLnSpc="1">
-            <a:prstTxWarp prst="textNoShape">
-              <a:avLst/>
-            </a:prstTxWarp>
-          </a:bodyPr>
-          <a:lstStyle/>
-          <a:p>
-            <a:endParaRPr lang="en-US"/>
-          </a:p>
-        </p:txBody>
-      </p:sp>
-      <p:sp>
-        <p:nvSpPr>
-          <p:cNvPr id="2" name="Title 1">
-            <a:extLst>
-              <a:ext uri="{FF2B5EF4-FFF2-40B4-BE49-F238E27FC236}">
-                <a16:creationId xmlns:a16="http://schemas.microsoft.com/office/drawing/2014/main" id="{BB65D9C0-6841-4BCF-AE4E-BAD925F0C7D3}"/>
-              </a:ext>
-            </a:extLst>
-          </p:cNvPr>
-          <p:cNvSpPr>
-            <a:spLocks noGrp="1"/>
-          </p:cNvSpPr>
-          <p:nvPr>
-            <p:ph type="title"/>
-          </p:nvPr>
-        </p:nvSpPr>
-        <p:spPr>
-          <a:xfrm>
-            <a:off x="958506" y="800392"/>
-            <a:ext cx="10264697" cy="1212102"/>
-          </a:xfrm>
-        </p:spPr>
-        <p:txBody>
-          <a:bodyPr>
-            <a:normAutofit/>
-          </a:bodyPr>
-          <a:lstStyle/>
-          <a:p>
-            <a:r>
-              <a:rPr lang="en-US" sz="4000" dirty="0">
-                <a:solidFill>
-                  <a:srgbClr val="FFFFFF"/>
-                </a:solidFill>
-              </a:rPr>
-              <a:t>NP-complete example</a:t>
-            </a:r>
-          </a:p>
-        </p:txBody>
-      </p:sp>
-      <p:pic>
-        <p:nvPicPr>
-          <p:cNvPr id="12" name="Content Placeholder 4">
-            <a:extLst>
-              <a:ext uri="{FF2B5EF4-FFF2-40B4-BE49-F238E27FC236}">
-                <a16:creationId xmlns:a16="http://schemas.microsoft.com/office/drawing/2014/main" id="{992AF886-F52A-4046-9B5F-ABDF2AEA22DF}"/>
-              </a:ext>
-            </a:extLst>
-          </p:cNvPr>
-          <p:cNvPicPr>
-            <a:picLocks noChangeAspect="1"/>
-          </p:cNvPicPr>
-          <p:nvPr/>
-        </p:nvPicPr>
-        <p:blipFill>
-          <a:blip r:embed="rId2"/>
-          <a:stretch>
-            <a:fillRect/>
-          </a:stretch>
-        </p:blipFill>
-        <p:spPr>
-          <a:xfrm>
-            <a:off x="1752600" y="2335168"/>
-            <a:ext cx="6553200" cy="3162300"/>
-          </a:xfrm>
-          <a:prstGeom prst="rect">
-            <a:avLst/>
-          </a:prstGeom>
-        </p:spPr>
-      </p:pic>
-      <p:pic>
-        <p:nvPicPr>
-          <p:cNvPr id="13" name="Picture 12">
-            <a:extLst>
-              <a:ext uri="{FF2B5EF4-FFF2-40B4-BE49-F238E27FC236}">
-                <a16:creationId xmlns:a16="http://schemas.microsoft.com/office/drawing/2014/main" id="{FDCBF260-B4F4-4DA3-A55A-E4E044F42743}"/>
-              </a:ext>
-            </a:extLst>
-          </p:cNvPr>
-          <p:cNvPicPr>
-            <a:picLocks noChangeAspect="1"/>
-          </p:cNvPicPr>
-          <p:nvPr/>
-        </p:nvPicPr>
-        <p:blipFill>
-          <a:blip r:embed="rId3"/>
-          <a:stretch>
-            <a:fillRect/>
-          </a:stretch>
-        </p:blipFill>
-        <p:spPr>
-          <a:xfrm>
-            <a:off x="1752600" y="5497468"/>
-            <a:ext cx="8686800" cy="600075"/>
-          </a:xfrm>
-          <a:prstGeom prst="rect">
-            <a:avLst/>
-          </a:prstGeom>
-        </p:spPr>
-      </p:pic>
-      <p:pic>
-        <p:nvPicPr>
-          <p:cNvPr id="14" name="Picture 13">
-            <a:extLst>
-              <a:ext uri="{FF2B5EF4-FFF2-40B4-BE49-F238E27FC236}">
-                <a16:creationId xmlns:a16="http://schemas.microsoft.com/office/drawing/2014/main" id="{A35B20C2-E6DB-4F56-914C-12A87AAD81A1}"/>
-              </a:ext>
-            </a:extLst>
-          </p:cNvPr>
-          <p:cNvPicPr>
-            <a:picLocks noChangeAspect="1"/>
-          </p:cNvPicPr>
-          <p:nvPr/>
-        </p:nvPicPr>
-        <p:blipFill>
-          <a:blip r:embed="rId4"/>
-          <a:stretch>
-            <a:fillRect/>
-          </a:stretch>
-        </p:blipFill>
-        <p:spPr>
-          <a:xfrm>
-            <a:off x="7999817" y="2742200"/>
-            <a:ext cx="2702395" cy="2711943"/>
-          </a:xfrm>
-          <a:prstGeom prst="rect">
-            <a:avLst/>
-          </a:prstGeom>
-        </p:spPr>
-      </p:pic>
-      <p:sp>
-        <p:nvSpPr>
-          <p:cNvPr id="15" name="TextBox 14">
-            <a:extLst>
-              <a:ext uri="{FF2B5EF4-FFF2-40B4-BE49-F238E27FC236}">
-                <a16:creationId xmlns:a16="http://schemas.microsoft.com/office/drawing/2014/main" id="{57914F21-55A9-4DAD-9150-24A363FF7B12}"/>
-              </a:ext>
-            </a:extLst>
-          </p:cNvPr>
-          <p:cNvSpPr txBox="1"/>
-          <p:nvPr/>
-        </p:nvSpPr>
-        <p:spPr>
-          <a:xfrm>
-            <a:off x="1614762" y="6257792"/>
-            <a:ext cx="8966447" cy="369332"/>
-          </a:xfrm>
-          <a:prstGeom prst="rect">
-            <a:avLst/>
-          </a:prstGeom>
-        </p:spPr>
-        <p:style>
-          <a:lnRef idx="2">
-            <a:schemeClr val="dk1"/>
-          </a:lnRef>
-          <a:fillRef idx="1">
-            <a:schemeClr val="lt1"/>
-          </a:fillRef>
-          <a:effectRef idx="0">
-            <a:schemeClr val="dk1"/>
-          </a:effectRef>
-          <a:fontRef idx="minor">
-            <a:schemeClr val="dk1"/>
-          </a:fontRef>
-        </p:style>
-        <p:txBody>
-          <a:bodyPr wrap="square" rtlCol="0">
-            <a:spAutoFit/>
-          </a:bodyPr>
-          <a:lstStyle/>
-          <a:p>
-            <a:pPr algn="ctr"/>
-            <a:r>
-              <a:rPr lang="en-US" b="1" dirty="0">
-                <a:solidFill>
-                  <a:schemeClr val="accent2"/>
-                </a:solidFill>
-              </a:rPr>
-              <a:t>Read the file Note2.pdf, if you want to see the proof of minimum number of colors </a:t>
-            </a:r>
-          </a:p>
-        </p:txBody>
-      </p:sp>
-    </p:spTree>
-    <p:extLst>
-      <p:ext uri="{BB962C8B-B14F-4D97-AF65-F5344CB8AC3E}">
-        <p14:creationId xmlns:p14="http://schemas.microsoft.com/office/powerpoint/2010/main" val="872409794"/>
-      </p:ext>
-    </p:extLst>
-  </p:cSld>
-  <p:clrMapOvr>
-    <a:masterClrMapping/>
-  </p:clrMapOvr>
-  <p:timing>
-    <p:tnLst>
-      <p:par>
-        <p:cTn id="1" dur="indefinite" restart="never" nodeType="tmRoot">
-          <p:childTnLst>
-            <p:seq concurrent="1" nextAc="seek">
-              <p:cTn id="2" dur="indefinite" nodeType="mainSeq">
-                <p:childTnLst>
-                  <p:par>
-                    <p:cTn id="3" fill="hold">
-                      <p:stCondLst>
-                        <p:cond delay="indefinite"/>
-                      </p:stCondLst>
-                      <p:childTnLst>
-                        <p:par>
-                          <p:cTn id="4" fill="hold">
-                            <p:stCondLst>
-                              <p:cond delay="0"/>
-                            </p:stCondLst>
-                            <p:childTnLst>
-                              <p:par>
-                                <p:cTn id="5" presetID="1" presetClass="entr" presetSubtype="0" fill="hold" nodeType="clickEffect">
-                                  <p:stCondLst>
-                                    <p:cond delay="0"/>
-                                  </p:stCondLst>
-                                  <p:childTnLst>
-                                    <p:set>
-                                      <p:cBhvr>
-                                        <p:cTn id="6" dur="1" fill="hold">
-                                          <p:stCondLst>
-                                            <p:cond delay="0"/>
-                                          </p:stCondLst>
-                                        </p:cTn>
-                                        <p:tgtEl>
-                                          <p:spTgt spid="14"/>
-                                        </p:tgtEl>
-                                        <p:attrNameLst>
-                                          <p:attrName>style.visibility</p:attrName>
-                                        </p:attrNameLst>
-                                      </p:cBhvr>
-                                      <p:to>
-                                        <p:strVal val="visible"/>
-                                      </p:to>
-                                    </p:set>
-                                  </p:childTnLst>
-                                </p:cTn>
-                              </p:par>
-                            </p:childTnLst>
-                          </p:cTn>
-                        </p:par>
-                      </p:childTnLst>
-                    </p:cTn>
-                  </p:par>
-                  <p:par>
-                    <p:cTn id="7" fill="hold">
-                      <p:stCondLst>
-                        <p:cond delay="indefinite"/>
-                      </p:stCondLst>
-                      <p:childTnLst>
-                        <p:par>
-                          <p:cTn id="8" fill="hold">
-                            <p:stCondLst>
-                              <p:cond delay="0"/>
-                            </p:stCondLst>
-                            <p:childTnLst>
-                              <p:par>
-                                <p:cTn id="9" presetID="1" presetClass="entr" presetSubtype="0" fill="hold" grpId="0" nodeType="clickEffect">
-                                  <p:stCondLst>
-                                    <p:cond delay="0"/>
-                                  </p:stCondLst>
-                                  <p:childTnLst>
-                                    <p:set>
-                                      <p:cBhvr>
-                                        <p:cTn id="10" dur="1" fill="hold">
-                                          <p:stCondLst>
-                                            <p:cond delay="0"/>
-                                          </p:stCondLst>
-                                        </p:cTn>
-                                        <p:tgtEl>
-                                          <p:spTgt spid="15"/>
-                                        </p:tgtEl>
-                                        <p:attrNameLst>
-                                          <p:attrName>style.visibility</p:attrName>
-                                        </p:attrNameLst>
-                                      </p:cBhvr>
-                                      <p:to>
-                                        <p:strVal val="visible"/>
-                                      </p:to>
-                                    </p:set>
-                                  </p:childTnLst>
-                                </p:cTn>
-                              </p:par>
-                            </p:childTnLst>
-                          </p:cTn>
-                        </p:par>
-                      </p:childTnLst>
-                    </p:cTn>
-                  </p:par>
-                </p:childTnLst>
-              </p:cTn>
-              <p:prevCondLst>
-                <p:cond evt="onPrev" delay="0">
-                  <p:tgtEl>
-                    <p:sldTgt/>
-                  </p:tgtEl>
-                </p:cond>
-              </p:prevCondLst>
-              <p:nextCondLst>
-                <p:cond evt="onNext" delay="0">
-                  <p:tgtEl>
-                    <p:sldTgt/>
-                  </p:tgtEl>
-                </p:cond>
-              </p:nextCondLst>
-            </p:seq>
-          </p:childTnLst>
-        </p:cTn>
-      </p:par>
-    </p:tnLst>
-    <p:bldLst>
-      <p:bldP spid="15" grpId="0" animBg="1"/>
-    </p:bldLst>
-  </p:timing>
 </p:sld>
 </file>
 
